--- a/lectures/3/2_Information Systems, Dashboards & Data Analytics.pptx
+++ b/lectures/3/2_Information Systems, Dashboards & Data Analytics.pptx
@@ -9325,7 +9325,7 @@
           <a:p>
             <a:fld id="{73B2889B-A0AC-4482-8592-5C96F2309420}" type="datetimeFigureOut">
               <a:rPr lang="en-US" smtClean="0"/>
-              <a:t>2/1/2022</a:t>
+              <a:t>1/30/2023</a:t>
             </a:fld>
             <a:endParaRPr lang="en-US"/>
           </a:p>
@@ -9502,7 +9502,7 @@
           <a:p>
             <a:fld id="{830EB223-FFC0-462A-A3B8-EAA7CE0F8CBD}" type="datetimeFigureOut">
               <a:rPr lang="en-US" smtClean="0"/>
-              <a:t>2/1/2022</a:t>
+              <a:t>1/30/2023</a:t>
             </a:fld>
             <a:endParaRPr lang="en-US" dirty="0"/>
           </a:p>
@@ -12847,7 +12847,7 @@
           <a:p>
             <a:fld id="{80550A73-2B4E-4929-B8DF-7138D6F7260F}" type="datetime1">
               <a:rPr lang="en-US" smtClean="0"/>
-              <a:t>2/1/2022</a:t>
+              <a:t>1/30/2023</a:t>
             </a:fld>
             <a:endParaRPr lang="en-US" dirty="0"/>
           </a:p>
@@ -13049,7 +13049,7 @@
           <a:p>
             <a:fld id="{01028625-83B2-4E84-8A46-D0F4A8727A9E}" type="datetime1">
               <a:rPr lang="en-US" smtClean="0"/>
-              <a:t>2/1/2022</a:t>
+              <a:t>1/30/2023</a:t>
             </a:fld>
             <a:endParaRPr lang="en-US" dirty="0"/>
           </a:p>
@@ -13261,7 +13261,7 @@
           <a:p>
             <a:fld id="{B9402276-CDDE-4077-BD49-9E25CB29DCE3}" type="datetime1">
               <a:rPr lang="en-US" smtClean="0"/>
-              <a:t>2/1/2022</a:t>
+              <a:t>1/30/2023</a:t>
             </a:fld>
             <a:endParaRPr lang="en-US" dirty="0"/>
           </a:p>
@@ -13463,7 +13463,7 @@
           <a:p>
             <a:fld id="{FF5D1DFC-C791-4997-BECF-09F80398C9DB}" type="datetime1">
               <a:rPr lang="en-US" smtClean="0"/>
-              <a:t>2/1/2022</a:t>
+              <a:t>1/30/2023</a:t>
             </a:fld>
             <a:endParaRPr lang="en-US" dirty="0"/>
           </a:p>
@@ -13742,7 +13742,7 @@
           <a:p>
             <a:fld id="{790911EB-61AA-4FA5-9434-3F9656DB3E71}" type="datetime1">
               <a:rPr lang="en-US" smtClean="0"/>
-              <a:t>2/1/2022</a:t>
+              <a:t>1/30/2023</a:t>
             </a:fld>
             <a:endParaRPr lang="en-US" dirty="0"/>
           </a:p>
@@ -14011,7 +14011,7 @@
           <a:p>
             <a:fld id="{6571A58D-DB20-4232-A7BF-E1542AA1D217}" type="datetime1">
               <a:rPr lang="en-US" smtClean="0"/>
-              <a:t>2/1/2022</a:t>
+              <a:t>1/30/2023</a:t>
             </a:fld>
             <a:endParaRPr lang="en-US" dirty="0"/>
           </a:p>
@@ -14427,7 +14427,7 @@
           <a:p>
             <a:fld id="{09E6CFC3-797E-4C43-AC4A-9EA40911BE3A}" type="datetime1">
               <a:rPr lang="en-US" smtClean="0"/>
-              <a:t>2/1/2022</a:t>
+              <a:t>1/30/2023</a:t>
             </a:fld>
             <a:endParaRPr lang="en-US" dirty="0"/>
           </a:p>
@@ -14572,7 +14572,7 @@
           <a:p>
             <a:fld id="{9D5D29C7-E268-4B09-9EA0-1CBCD0C2FB18}" type="datetime1">
               <a:rPr lang="en-US" smtClean="0"/>
-              <a:t>2/1/2022</a:t>
+              <a:t>1/30/2023</a:t>
             </a:fld>
             <a:endParaRPr lang="en-US" dirty="0"/>
           </a:p>
@@ -14689,7 +14689,7 @@
           <a:p>
             <a:fld id="{B62C24B3-A815-494A-8D5E-9AA02E7F066D}" type="datetime1">
               <a:rPr lang="en-US" smtClean="0"/>
-              <a:t>2/1/2022</a:t>
+              <a:t>1/30/2023</a:t>
             </a:fld>
             <a:endParaRPr lang="en-US" dirty="0"/>
           </a:p>
@@ -15004,7 +15004,7 @@
           <a:p>
             <a:fld id="{3B6145B2-FA71-4617-A341-A8B7E99D15BE}" type="datetime1">
               <a:rPr lang="en-US" smtClean="0"/>
-              <a:t>2/1/2022</a:t>
+              <a:t>1/30/2023</a:t>
             </a:fld>
             <a:endParaRPr lang="en-US" dirty="0"/>
           </a:p>
@@ -15300,7 +15300,7 @@
           <a:p>
             <a:fld id="{E2612574-89EB-4971-8843-D2064C5BA652}" type="datetime1">
               <a:rPr lang="en-US" smtClean="0"/>
-              <a:t>2/1/2022</a:t>
+              <a:t>1/30/2023</a:t>
             </a:fld>
             <a:endParaRPr lang="en-US" dirty="0"/>
           </a:p>
@@ -15545,7 +15545,7 @@
           <a:p>
             <a:fld id="{7803D762-7AB1-4F2A-8B20-2C95C37F27B8}" type="datetime1">
               <a:rPr lang="en-US" smtClean="0"/>
-              <a:t>2/1/2022</a:t>
+              <a:t>1/30/2023</a:t>
             </a:fld>
             <a:endParaRPr lang="en-US" dirty="0"/>
           </a:p>
@@ -15956,7 +15956,10 @@
     <p:bg>
       <p:bgPr>
         <a:solidFill>
-          <a:schemeClr val="bg1"/>
+          <a:schemeClr val="bg1">
+            <a:tint val="95000"/>
+            <a:satMod val="170000"/>
+          </a:schemeClr>
         </a:solidFill>
         <a:effectLst/>
       </p:bgPr>
@@ -15977,10 +15980,50 @@
       </p:grpSpPr>
       <p:sp>
         <p:nvSpPr>
-          <p:cNvPr id="1030" name="Rectangle 72">
+          <p:cNvPr id="2" name="Title 1">
             <a:extLst>
               <a:ext uri="{FF2B5EF4-FFF2-40B4-BE49-F238E27FC236}">
-                <a16:creationId xmlns:a16="http://schemas.microsoft.com/office/drawing/2014/main" id="{1707FC24-6981-43D9-B525-C7832BA22463}"/>
+                <a16:creationId xmlns:a16="http://schemas.microsoft.com/office/drawing/2014/main" id="{3217EA9B-ABDE-417D-8971-0A923F81A8DA}"/>
+              </a:ext>
+            </a:extLst>
+          </p:cNvPr>
+          <p:cNvSpPr>
+            <a:spLocks noGrp="1"/>
+          </p:cNvSpPr>
+          <p:nvPr>
+            <p:ph type="ctrTitle"/>
+          </p:nvPr>
+        </p:nvSpPr>
+        <p:spPr>
+          <a:xfrm>
+            <a:off x="7464614" y="1783959"/>
+            <a:ext cx="4087306" cy="2889114"/>
+          </a:xfrm>
+        </p:spPr>
+        <p:txBody>
+          <a:bodyPr vert="horz" lIns="91440" tIns="45720" rIns="91440" bIns="45720" rtlCol="0" anchor="b">
+            <a:normAutofit/>
+          </a:bodyPr>
+          <a:lstStyle/>
+          <a:p>
+            <a:pPr algn="l"/>
+            <a:r>
+              <a:rPr lang="en-US" sz="5400" kern="1200" dirty="0">
+                <a:latin typeface="+mj-lt"/>
+                <a:ea typeface="+mj-ea"/>
+                <a:cs typeface="+mj-cs"/>
+              </a:rPr>
+              <a:t>Check-in</a:t>
+            </a:r>
+          </a:p>
+        </p:txBody>
+      </p:sp>
+      <p:sp>
+        <p:nvSpPr>
+          <p:cNvPr id="1035" name="Freeform: Shape 1034">
+            <a:extLst>
+              <a:ext uri="{FF2B5EF4-FFF2-40B4-BE49-F238E27FC236}">
+                <a16:creationId xmlns:a16="http://schemas.microsoft.com/office/drawing/2014/main" id="{E49CC64F-7275-4E33-961B-0C5CDC439875}"/>
               </a:ext>
               <a:ext uri="{C183D7F6-B498-43B3-948B-1728B52AA6E4}">
                 <adec:decorative xmlns:adec="http://schemas.microsoft.com/office/drawing/2017/decorative" val="1"/>
@@ -15998,21 +16041,92 @@
             </p:extLst>
           </p:nvPr>
         </p:nvSpPr>
-        <p:spPr bwMode="ltGray">
-          <a:xfrm>
-            <a:off x="336884" y="311449"/>
-            <a:ext cx="4332307" cy="6179552"/>
+        <p:spPr>
+          <a:xfrm flipH="1" flipV="1">
+            <a:off x="1" y="0"/>
+            <a:ext cx="7188051" cy="6858000"/>
           </a:xfrm>
-          <a:prstGeom prst="rect">
+          <a:custGeom>
             <a:avLst/>
-          </a:prstGeom>
+            <a:gdLst>
+              <a:gd name="connsiteX0" fmla="*/ 7188051 w 7188051"/>
+              <a:gd name="connsiteY0" fmla="*/ 6858000 h 6858000"/>
+              <a:gd name="connsiteX1" fmla="*/ 108694 w 7188051"/>
+              <a:gd name="connsiteY1" fmla="*/ 6858000 h 6858000"/>
+              <a:gd name="connsiteX2" fmla="*/ 79127 w 7188051"/>
+              <a:gd name="connsiteY2" fmla="*/ 6681235 h 6858000"/>
+              <a:gd name="connsiteX3" fmla="*/ 0 w 7188051"/>
+              <a:gd name="connsiteY3" fmla="*/ 5565888 h 6858000"/>
+              <a:gd name="connsiteX4" fmla="*/ 2190696 w 7188051"/>
+              <a:gd name="connsiteY4" fmla="*/ 145339 h 6858000"/>
+              <a:gd name="connsiteX5" fmla="*/ 2339431 w 7188051"/>
+              <a:gd name="connsiteY5" fmla="*/ 0 h 6858000"/>
+              <a:gd name="connsiteX6" fmla="*/ 7188051 w 7188051"/>
+              <a:gd name="connsiteY6" fmla="*/ 0 h 6858000"/>
+            </a:gdLst>
+            <a:ahLst/>
+            <a:cxnLst>
+              <a:cxn ang="0">
+                <a:pos x="connsiteX0" y="connsiteY0"/>
+              </a:cxn>
+              <a:cxn ang="0">
+                <a:pos x="connsiteX1" y="connsiteY1"/>
+              </a:cxn>
+              <a:cxn ang="0">
+                <a:pos x="connsiteX2" y="connsiteY2"/>
+              </a:cxn>
+              <a:cxn ang="0">
+                <a:pos x="connsiteX3" y="connsiteY3"/>
+              </a:cxn>
+              <a:cxn ang="0">
+                <a:pos x="connsiteX4" y="connsiteY4"/>
+              </a:cxn>
+              <a:cxn ang="0">
+                <a:pos x="connsiteX5" y="connsiteY5"/>
+              </a:cxn>
+              <a:cxn ang="0">
+                <a:pos x="connsiteX6" y="connsiteY6"/>
+              </a:cxn>
+            </a:cxnLst>
+            <a:rect l="l" t="t" r="r" b="b"/>
+            <a:pathLst>
+              <a:path w="7188051" h="6858000">
+                <a:moveTo>
+                  <a:pt x="7188051" y="6858000"/>
+                </a:moveTo>
+                <a:lnTo>
+                  <a:pt x="108694" y="6858000"/>
+                </a:lnTo>
+                <a:lnTo>
+                  <a:pt x="79127" y="6681235"/>
+                </a:lnTo>
+                <a:cubicBezTo>
+                  <a:pt x="26981" y="6316967"/>
+                  <a:pt x="0" y="5944579"/>
+                  <a:pt x="0" y="5565888"/>
+                </a:cubicBezTo>
+                <a:cubicBezTo>
+                  <a:pt x="0" y="3459953"/>
+                  <a:pt x="834428" y="1548908"/>
+                  <a:pt x="2190696" y="145339"/>
+                </a:cubicBezTo>
+                <a:lnTo>
+                  <a:pt x="2339431" y="0"/>
+                </a:lnTo>
+                <a:lnTo>
+                  <a:pt x="7188051" y="0"/>
+                </a:lnTo>
+                <a:close/>
+              </a:path>
+            </a:pathLst>
+          </a:custGeom>
           <a:solidFill>
-            <a:srgbClr val="404040"/>
+            <a:schemeClr val="tx1">
+              <a:alpha val="80000"/>
+            </a:schemeClr>
           </a:solidFill>
-          <a:ln w="127000" cap="sq" cmpd="thinThick">
-            <a:solidFill>
-              <a:srgbClr val="404040"/>
-            </a:solidFill>
+          <a:ln>
+            <a:noFill/>
           </a:ln>
         </p:spPr>
         <p:style>
@@ -16032,62 +16146,22 @@
           </a:fontRef>
         </p:style>
         <p:txBody>
-          <a:bodyPr rtlCol="0" anchor="ctr"/>
+          <a:bodyPr wrap="square" rtlCol="0" anchor="ctr">
+            <a:noAutofit/>
+          </a:bodyPr>
           <a:lstStyle/>
           <a:p>
             <a:pPr algn="ctr"/>
             <a:endParaRPr lang="en-US"/>
-          </a:p>
-        </p:txBody>
-      </p:sp>
-      <p:sp>
-        <p:nvSpPr>
-          <p:cNvPr id="2" name="Title 1">
-            <a:extLst>
-              <a:ext uri="{FF2B5EF4-FFF2-40B4-BE49-F238E27FC236}">
-                <a16:creationId xmlns:a16="http://schemas.microsoft.com/office/drawing/2014/main" id="{3217EA9B-ABDE-417D-8971-0A923F81A8DA}"/>
-              </a:ext>
-            </a:extLst>
-          </p:cNvPr>
-          <p:cNvSpPr>
-            <a:spLocks noGrp="1"/>
-          </p:cNvSpPr>
-          <p:nvPr>
-            <p:ph type="ctrTitle"/>
-          </p:nvPr>
-        </p:nvSpPr>
-        <p:spPr>
-          <a:xfrm>
-            <a:off x="742950" y="742951"/>
-            <a:ext cx="3476625" cy="4962524"/>
-          </a:xfrm>
-        </p:spPr>
-        <p:txBody>
-          <a:bodyPr vert="horz" lIns="91440" tIns="45720" rIns="91440" bIns="45720" rtlCol="0" anchor="ctr">
-            <a:normAutofit/>
-          </a:bodyPr>
-          <a:lstStyle/>
-          <a:p>
-            <a:r>
-              <a:rPr lang="en-US" sz="4800" kern="1200" dirty="0">
-                <a:solidFill>
-                  <a:srgbClr val="FFFFFF"/>
-                </a:solidFill>
-                <a:latin typeface="+mj-lt"/>
-                <a:ea typeface="+mj-ea"/>
-                <a:cs typeface="+mj-cs"/>
-              </a:rPr>
-              <a:t>Wednesday Already?</a:t>
-            </a:r>
           </a:p>
         </p:txBody>
       </p:sp>
       <p:pic>
         <p:nvPicPr>
-          <p:cNvPr id="1028" name="Picture 4" descr="50+ Kickass Funny Wednesday Memes to Make Hump Day Better">
+          <p:cNvPr id="1026" name="Picture 2" descr="30 Good Morning Memes for a Good Laugh | Reader's Digest">
             <a:extLst>
               <a:ext uri="{FF2B5EF4-FFF2-40B4-BE49-F238E27FC236}">
-                <a16:creationId xmlns:a16="http://schemas.microsoft.com/office/drawing/2014/main" id="{70849472-C0AE-4DB4-971C-67BCF1ED1304}"/>
+                <a16:creationId xmlns:a16="http://schemas.microsoft.com/office/drawing/2014/main" id="{57BAD7DF-0774-5AA7-5E61-8C23865F79BE}"/>
               </a:ext>
             </a:extLst>
           </p:cNvPr>
@@ -16096,7 +16170,7 @@
           </p:cNvPicPr>
           <p:nvPr/>
         </p:nvPicPr>
-        <p:blipFill>
+        <p:blipFill rotWithShape="1">
           <a:blip r:embed="rId2">
             <a:extLst>
               <a:ext uri="{28A0092B-C50C-407E-A947-70E740481C1C}">
@@ -16104,18 +16178,51 @@
               </a:ext>
             </a:extLst>
           </a:blip>
-          <a:stretch>
-            <a:fillRect/>
-          </a:stretch>
+          <a:srcRect r="-1" b="2425"/>
+          <a:stretch/>
         </p:blipFill>
         <p:spPr bwMode="auto">
           <a:xfrm>
-            <a:off x="5153822" y="1262109"/>
-            <a:ext cx="6553545" cy="4341723"/>
+            <a:off x="1" y="10"/>
+            <a:ext cx="7028495" cy="6857990"/>
           </a:xfrm>
-          <a:prstGeom prst="rect">
+          <a:custGeom>
             <a:avLst/>
-          </a:prstGeom>
+            <a:gdLst/>
+            <a:ahLst/>
+            <a:cxnLst/>
+            <a:rect l="l" t="t" r="r" b="b"/>
+            <a:pathLst>
+              <a:path w="7028495" h="6858000">
+                <a:moveTo>
+                  <a:pt x="0" y="0"/>
+                </a:moveTo>
+                <a:lnTo>
+                  <a:pt x="6915668" y="0"/>
+                </a:lnTo>
+                <a:lnTo>
+                  <a:pt x="6952411" y="219663"/>
+                </a:lnTo>
+                <a:cubicBezTo>
+                  <a:pt x="7002551" y="569921"/>
+                  <a:pt x="7028495" y="927986"/>
+                  <a:pt x="7028495" y="1292112"/>
+                </a:cubicBezTo>
+                <a:cubicBezTo>
+                  <a:pt x="7028495" y="3343346"/>
+                  <a:pt x="6205186" y="5202289"/>
+                  <a:pt x="4870994" y="6556512"/>
+                </a:cubicBezTo>
+                <a:lnTo>
+                  <a:pt x="4556185" y="6858000"/>
+                </a:lnTo>
+                <a:lnTo>
+                  <a:pt x="0" y="6858000"/>
+                </a:lnTo>
+                <a:close/>
+              </a:path>
+            </a:pathLst>
+          </a:custGeom>
           <a:noFill/>
           <a:extLst>
             <a:ext uri="{909E8E84-426E-40DD-AFC4-6F175D3DCCD1}">
@@ -16130,6 +16237,66 @@
       </p:pic>
       <p:sp>
         <p:nvSpPr>
+          <p:cNvPr id="5" name="Slide Number Placeholder 4">
+            <a:extLst>
+              <a:ext uri="{FF2B5EF4-FFF2-40B4-BE49-F238E27FC236}">
+                <a16:creationId xmlns:a16="http://schemas.microsoft.com/office/drawing/2014/main" id="{D5A381CD-7842-444C-9CF3-1EC0959A0A3E}"/>
+              </a:ext>
+            </a:extLst>
+          </p:cNvPr>
+          <p:cNvSpPr>
+            <a:spLocks noGrp="1"/>
+          </p:cNvSpPr>
+          <p:nvPr>
+            <p:ph type="sldNum" sz="quarter" idx="12"/>
+          </p:nvPr>
+        </p:nvSpPr>
+        <p:spPr>
+          <a:xfrm>
+            <a:off x="11003280" y="603504"/>
+            <a:ext cx="548640" cy="548640"/>
+          </a:xfrm>
+          <a:prstGeom prst="ellipse">
+            <a:avLst/>
+          </a:prstGeom>
+          <a:solidFill>
+            <a:srgbClr val="7F7F7F"/>
+          </a:solidFill>
+        </p:spPr>
+        <p:txBody>
+          <a:bodyPr anchor="ctr">
+            <a:normAutofit/>
+          </a:bodyPr>
+          <a:lstStyle/>
+          <a:p>
+            <a:pPr algn="ctr">
+              <a:spcAft>
+                <a:spcPts val="600"/>
+              </a:spcAft>
+            </a:pPr>
+            <a:fld id="{A6AF1B4E-90EC-4A51-B6E5-B702C054ECB0}" type="slidenum">
+              <a:rPr lang="en-US" sz="1500">
+                <a:solidFill>
+                  <a:srgbClr val="FFFFFF"/>
+                </a:solidFill>
+              </a:rPr>
+              <a:pPr algn="ctr">
+                <a:spcAft>
+                  <a:spcPts val="600"/>
+                </a:spcAft>
+              </a:pPr>
+              <a:t>1</a:t>
+            </a:fld>
+            <a:endParaRPr lang="en-US" sz="1500">
+              <a:solidFill>
+                <a:srgbClr val="FFFFFF"/>
+              </a:solidFill>
+            </a:endParaRPr>
+          </a:p>
+        </p:txBody>
+      </p:sp>
+      <p:sp>
+        <p:nvSpPr>
           <p:cNvPr id="4" name="Footer Placeholder 3">
             <a:extLst>
               <a:ext uri="{FF2B5EF4-FFF2-40B4-BE49-F238E27FC236}">
@@ -16144,45 +16311,33 @@
             <p:ph type="ftr" sz="quarter" idx="11"/>
           </p:nvPr>
         </p:nvSpPr>
-        <p:spPr/>
+        <p:spPr>
+          <a:xfrm>
+            <a:off x="7464612" y="6199631"/>
+            <a:ext cx="4087304" cy="365760"/>
+          </a:xfrm>
+        </p:spPr>
         <p:txBody>
-          <a:bodyPr/>
+          <a:bodyPr>
+            <a:normAutofit/>
+          </a:bodyPr>
           <a:lstStyle/>
           <a:p>
+            <a:pPr algn="l">
+              <a:spcAft>
+                <a:spcPts val="600"/>
+              </a:spcAft>
+            </a:pPr>
             <a:r>
-              <a:rPr lang="en-US"/>
+              <a:rPr lang="en-US" sz="1100">
+                <a:solidFill>
+                  <a:schemeClr val="tx1">
+                    <a:alpha val="80000"/>
+                  </a:schemeClr>
+                </a:solidFill>
+              </a:rPr>
               <a:t>Mike Nguyen</a:t>
             </a:r>
-            <a:endParaRPr lang="en-US" dirty="0"/>
-          </a:p>
-        </p:txBody>
-      </p:sp>
-      <p:sp>
-        <p:nvSpPr>
-          <p:cNvPr id="5" name="Slide Number Placeholder 4">
-            <a:extLst>
-              <a:ext uri="{FF2B5EF4-FFF2-40B4-BE49-F238E27FC236}">
-                <a16:creationId xmlns:a16="http://schemas.microsoft.com/office/drawing/2014/main" id="{D5A381CD-7842-444C-9CF3-1EC0959A0A3E}"/>
-              </a:ext>
-            </a:extLst>
-          </p:cNvPr>
-          <p:cNvSpPr>
-            <a:spLocks noGrp="1"/>
-          </p:cNvSpPr>
-          <p:nvPr>
-            <p:ph type="sldNum" sz="quarter" idx="12"/>
-          </p:nvPr>
-        </p:nvSpPr>
-        <p:spPr/>
-        <p:txBody>
-          <a:bodyPr/>
-          <a:lstStyle/>
-          <a:p>
-            <a:fld id="{A6AF1B4E-90EC-4A51-B6E5-B702C054ECB0}" type="slidenum">
-              <a:rPr lang="en-US" smtClean="0"/>
-              <a:t>1</a:t>
-            </a:fld>
-            <a:endParaRPr lang="en-US" dirty="0"/>
           </a:p>
         </p:txBody>
       </p:sp>
@@ -16194,7 +16349,7 @@
     </p:extLst>
   </p:cSld>
   <p:clrMapOvr>
-    <a:masterClrMapping/>
+    <a:overrideClrMapping bg1="dk1" tx1="lt1" bg2="dk2" tx2="lt2" accent1="accent1" accent2="accent2" accent3="accent3" accent4="accent4" accent5="accent5" accent6="accent6" hlink="hlink" folHlink="folHlink"/>
   </p:clrMapOvr>
 </p:sld>
 </file>
@@ -19746,6 +19901,310 @@
   <p:clrMapOvr>
     <a:masterClrMapping/>
   </p:clrMapOvr>
+  <p:timing>
+    <p:tnLst>
+      <p:par>
+        <p:cTn id="1" dur="indefinite" restart="never" nodeType="tmRoot">
+          <p:childTnLst>
+            <p:seq concurrent="1" nextAc="seek">
+              <p:cTn id="2" dur="indefinite" nodeType="mainSeq">
+                <p:childTnLst>
+                  <p:par>
+                    <p:cTn id="3" fill="hold">
+                      <p:stCondLst>
+                        <p:cond delay="indefinite"/>
+                      </p:stCondLst>
+                      <p:childTnLst>
+                        <p:par>
+                          <p:cTn id="4" fill="hold">
+                            <p:stCondLst>
+                              <p:cond delay="0"/>
+                            </p:stCondLst>
+                            <p:childTnLst>
+                              <p:par>
+                                <p:cTn id="5" presetID="1" presetClass="entr" presetSubtype="0" fill="hold" grpId="0" nodeType="clickEffect">
+                                  <p:stCondLst>
+                                    <p:cond delay="0"/>
+                                  </p:stCondLst>
+                                  <p:childTnLst>
+                                    <p:set>
+                                      <p:cBhvr>
+                                        <p:cTn id="6" dur="1" fill="hold">
+                                          <p:stCondLst>
+                                            <p:cond delay="0"/>
+                                          </p:stCondLst>
+                                        </p:cTn>
+                                        <p:tgtEl>
+                                          <p:spTgt spid="3">
+                                            <p:txEl>
+                                              <p:pRg st="0" end="0"/>
+                                            </p:txEl>
+                                          </p:spTgt>
+                                        </p:tgtEl>
+                                        <p:attrNameLst>
+                                          <p:attrName>style.visibility</p:attrName>
+                                        </p:attrNameLst>
+                                      </p:cBhvr>
+                                      <p:to>
+                                        <p:strVal val="visible"/>
+                                      </p:to>
+                                    </p:set>
+                                  </p:childTnLst>
+                                </p:cTn>
+                              </p:par>
+                              <p:par>
+                                <p:cTn id="7" presetID="1" presetClass="entr" presetSubtype="0" fill="hold" grpId="0" nodeType="withEffect">
+                                  <p:stCondLst>
+                                    <p:cond delay="0"/>
+                                  </p:stCondLst>
+                                  <p:childTnLst>
+                                    <p:set>
+                                      <p:cBhvr>
+                                        <p:cTn id="8" dur="1" fill="hold">
+                                          <p:stCondLst>
+                                            <p:cond delay="0"/>
+                                          </p:stCondLst>
+                                        </p:cTn>
+                                        <p:tgtEl>
+                                          <p:spTgt spid="3">
+                                            <p:txEl>
+                                              <p:pRg st="1" end="1"/>
+                                            </p:txEl>
+                                          </p:spTgt>
+                                        </p:tgtEl>
+                                        <p:attrNameLst>
+                                          <p:attrName>style.visibility</p:attrName>
+                                        </p:attrNameLst>
+                                      </p:cBhvr>
+                                      <p:to>
+                                        <p:strVal val="visible"/>
+                                      </p:to>
+                                    </p:set>
+                                  </p:childTnLst>
+                                </p:cTn>
+                              </p:par>
+                              <p:par>
+                                <p:cTn id="9" presetID="1" presetClass="entr" presetSubtype="0" fill="hold" grpId="0" nodeType="withEffect">
+                                  <p:stCondLst>
+                                    <p:cond delay="0"/>
+                                  </p:stCondLst>
+                                  <p:childTnLst>
+                                    <p:set>
+                                      <p:cBhvr>
+                                        <p:cTn id="10" dur="1" fill="hold">
+                                          <p:stCondLst>
+                                            <p:cond delay="0"/>
+                                          </p:stCondLst>
+                                        </p:cTn>
+                                        <p:tgtEl>
+                                          <p:spTgt spid="3">
+                                            <p:txEl>
+                                              <p:pRg st="2" end="2"/>
+                                            </p:txEl>
+                                          </p:spTgt>
+                                        </p:tgtEl>
+                                        <p:attrNameLst>
+                                          <p:attrName>style.visibility</p:attrName>
+                                        </p:attrNameLst>
+                                      </p:cBhvr>
+                                      <p:to>
+                                        <p:strVal val="visible"/>
+                                      </p:to>
+                                    </p:set>
+                                  </p:childTnLst>
+                                </p:cTn>
+                              </p:par>
+                            </p:childTnLst>
+                          </p:cTn>
+                        </p:par>
+                      </p:childTnLst>
+                    </p:cTn>
+                  </p:par>
+                  <p:par>
+                    <p:cTn id="11" fill="hold">
+                      <p:stCondLst>
+                        <p:cond delay="indefinite"/>
+                      </p:stCondLst>
+                      <p:childTnLst>
+                        <p:par>
+                          <p:cTn id="12" fill="hold">
+                            <p:stCondLst>
+                              <p:cond delay="0"/>
+                            </p:stCondLst>
+                            <p:childTnLst>
+                              <p:par>
+                                <p:cTn id="13" presetID="1" presetClass="entr" presetSubtype="0" fill="hold" grpId="0" nodeType="clickEffect">
+                                  <p:stCondLst>
+                                    <p:cond delay="0"/>
+                                  </p:stCondLst>
+                                  <p:childTnLst>
+                                    <p:set>
+                                      <p:cBhvr>
+                                        <p:cTn id="14" dur="1" fill="hold">
+                                          <p:stCondLst>
+                                            <p:cond delay="0"/>
+                                          </p:stCondLst>
+                                        </p:cTn>
+                                        <p:tgtEl>
+                                          <p:spTgt spid="3">
+                                            <p:txEl>
+                                              <p:pRg st="3" end="3"/>
+                                            </p:txEl>
+                                          </p:spTgt>
+                                        </p:tgtEl>
+                                        <p:attrNameLst>
+                                          <p:attrName>style.visibility</p:attrName>
+                                        </p:attrNameLst>
+                                      </p:cBhvr>
+                                      <p:to>
+                                        <p:strVal val="visible"/>
+                                      </p:to>
+                                    </p:set>
+                                  </p:childTnLst>
+                                </p:cTn>
+                              </p:par>
+                              <p:par>
+                                <p:cTn id="15" presetID="1" presetClass="entr" presetSubtype="0" fill="hold" grpId="0" nodeType="withEffect">
+                                  <p:stCondLst>
+                                    <p:cond delay="0"/>
+                                  </p:stCondLst>
+                                  <p:childTnLst>
+                                    <p:set>
+                                      <p:cBhvr>
+                                        <p:cTn id="16" dur="1" fill="hold">
+                                          <p:stCondLst>
+                                            <p:cond delay="0"/>
+                                          </p:stCondLst>
+                                        </p:cTn>
+                                        <p:tgtEl>
+                                          <p:spTgt spid="3">
+                                            <p:txEl>
+                                              <p:pRg st="4" end="4"/>
+                                            </p:txEl>
+                                          </p:spTgt>
+                                        </p:tgtEl>
+                                        <p:attrNameLst>
+                                          <p:attrName>style.visibility</p:attrName>
+                                        </p:attrNameLst>
+                                      </p:cBhvr>
+                                      <p:to>
+                                        <p:strVal val="visible"/>
+                                      </p:to>
+                                    </p:set>
+                                  </p:childTnLst>
+                                </p:cTn>
+                              </p:par>
+                            </p:childTnLst>
+                          </p:cTn>
+                        </p:par>
+                      </p:childTnLst>
+                    </p:cTn>
+                  </p:par>
+                  <p:par>
+                    <p:cTn id="17" fill="hold">
+                      <p:stCondLst>
+                        <p:cond delay="indefinite"/>
+                      </p:stCondLst>
+                      <p:childTnLst>
+                        <p:par>
+                          <p:cTn id="18" fill="hold">
+                            <p:stCondLst>
+                              <p:cond delay="0"/>
+                            </p:stCondLst>
+                            <p:childTnLst>
+                              <p:par>
+                                <p:cTn id="19" presetID="1" presetClass="entr" presetSubtype="0" fill="hold" grpId="0" nodeType="clickEffect">
+                                  <p:stCondLst>
+                                    <p:cond delay="0"/>
+                                  </p:stCondLst>
+                                  <p:childTnLst>
+                                    <p:set>
+                                      <p:cBhvr>
+                                        <p:cTn id="20" dur="1" fill="hold">
+                                          <p:stCondLst>
+                                            <p:cond delay="0"/>
+                                          </p:stCondLst>
+                                        </p:cTn>
+                                        <p:tgtEl>
+                                          <p:spTgt spid="3">
+                                            <p:txEl>
+                                              <p:pRg st="5" end="5"/>
+                                            </p:txEl>
+                                          </p:spTgt>
+                                        </p:tgtEl>
+                                        <p:attrNameLst>
+                                          <p:attrName>style.visibility</p:attrName>
+                                        </p:attrNameLst>
+                                      </p:cBhvr>
+                                      <p:to>
+                                        <p:strVal val="visible"/>
+                                      </p:to>
+                                    </p:set>
+                                  </p:childTnLst>
+                                </p:cTn>
+                              </p:par>
+                              <p:par>
+                                <p:cTn id="21" presetID="1" presetClass="entr" presetSubtype="0" fill="hold" grpId="0" nodeType="withEffect">
+                                  <p:stCondLst>
+                                    <p:cond delay="0"/>
+                                  </p:stCondLst>
+                                  <p:childTnLst>
+                                    <p:set>
+                                      <p:cBhvr>
+                                        <p:cTn id="22" dur="1" fill="hold">
+                                          <p:stCondLst>
+                                            <p:cond delay="0"/>
+                                          </p:stCondLst>
+                                        </p:cTn>
+                                        <p:tgtEl>
+                                          <p:spTgt spid="3">
+                                            <p:txEl>
+                                              <p:pRg st="6" end="6"/>
+                                            </p:txEl>
+                                          </p:spTgt>
+                                        </p:tgtEl>
+                                        <p:attrNameLst>
+                                          <p:attrName>style.visibility</p:attrName>
+                                        </p:attrNameLst>
+                                      </p:cBhvr>
+                                      <p:to>
+                                        <p:strVal val="visible"/>
+                                      </p:to>
+                                    </p:set>
+                                  </p:childTnLst>
+                                </p:cTn>
+                              </p:par>
+                            </p:childTnLst>
+                          </p:cTn>
+                        </p:par>
+                      </p:childTnLst>
+                    </p:cTn>
+                  </p:par>
+                </p:childTnLst>
+              </p:cTn>
+              <p:prevCondLst>
+                <p:cond evt="onPrev" delay="0">
+                  <p:tgtEl>
+                    <p:sldTgt/>
+                  </p:tgtEl>
+                </p:cond>
+              </p:prevCondLst>
+              <p:nextCondLst>
+                <p:cond evt="onNext" delay="0">
+                  <p:tgtEl>
+                    <p:sldTgt/>
+                  </p:tgtEl>
+                </p:cond>
+              </p:nextCondLst>
+            </p:seq>
+          </p:childTnLst>
+        </p:cTn>
+      </p:par>
+    </p:tnLst>
+    <p:bldLst>
+      <p:bldP spid="3" grpId="0" build="p"/>
+    </p:bldLst>
+  </p:timing>
 </p:sld>
 </file>
 
@@ -20241,53 +20700,53 @@
           <a:lstStyle/>
           <a:p>
             <a:r>
-              <a:rPr lang="en-US" sz="2200"/>
+              <a:rPr lang="en-US" sz="2200" dirty="0"/>
               <a:t>Transaction Data </a:t>
             </a:r>
           </a:p>
           <a:p>
             <a:pPr lvl="1"/>
             <a:r>
-              <a:rPr lang="en-US" sz="2200"/>
+              <a:rPr lang="en-US" sz="2200" dirty="0"/>
               <a:t>For example, B2B sales invoices, retail receipts, online transactions, shopping card data </a:t>
             </a:r>
           </a:p>
           <a:p>
             <a:r>
-              <a:rPr lang="en-US" sz="2200"/>
+              <a:rPr lang="en-US" sz="2200" dirty="0"/>
               <a:t>Customer Communications</a:t>
             </a:r>
           </a:p>
           <a:p>
             <a:pPr lvl="1"/>
             <a:r>
-              <a:rPr lang="en-US" sz="2200"/>
+              <a:rPr lang="en-US" sz="2200" dirty="0"/>
               <a:t>For example, inquiries, complaints via telephone, online, mail, in-person. </a:t>
             </a:r>
           </a:p>
           <a:p>
             <a:r>
-              <a:rPr lang="en-US" sz="2200"/>
+              <a:rPr lang="en-US" sz="2200" dirty="0"/>
               <a:t>Marketing Research Tracking Studies</a:t>
             </a:r>
           </a:p>
           <a:p>
             <a:pPr lvl="1"/>
             <a:r>
-              <a:rPr lang="en-US" sz="2200"/>
+              <a:rPr lang="en-US" sz="2200" dirty="0"/>
               <a:t>For example, satisfaction, awareness, image studies </a:t>
             </a:r>
           </a:p>
           <a:p>
             <a:r>
-              <a:rPr lang="en-US" sz="2200"/>
+              <a:rPr lang="en-US" sz="2200" dirty="0"/>
               <a:t>Other Sources </a:t>
             </a:r>
           </a:p>
           <a:p>
             <a:pPr lvl="1"/>
             <a:r>
-              <a:rPr lang="en-US" sz="2200"/>
+              <a:rPr lang="en-US" sz="2200" dirty="0"/>
               <a:t>For example, call reports, expense receipts, customer records, financial records, credit memos, warranty cards. </a:t>
             </a:r>
           </a:p>
@@ -20389,6 +20848,359 @@
   <p:clrMapOvr>
     <a:masterClrMapping/>
   </p:clrMapOvr>
+  <p:timing>
+    <p:tnLst>
+      <p:par>
+        <p:cTn id="1" dur="indefinite" restart="never" nodeType="tmRoot">
+          <p:childTnLst>
+            <p:seq concurrent="1" nextAc="seek">
+              <p:cTn id="2" dur="indefinite" nodeType="mainSeq">
+                <p:childTnLst>
+                  <p:par>
+                    <p:cTn id="3" fill="hold">
+                      <p:stCondLst>
+                        <p:cond delay="indefinite"/>
+                      </p:stCondLst>
+                      <p:childTnLst>
+                        <p:par>
+                          <p:cTn id="4" fill="hold">
+                            <p:stCondLst>
+                              <p:cond delay="0"/>
+                            </p:stCondLst>
+                            <p:childTnLst>
+                              <p:par>
+                                <p:cTn id="5" presetID="1" presetClass="entr" presetSubtype="0" fill="hold" grpId="0" nodeType="clickEffect">
+                                  <p:stCondLst>
+                                    <p:cond delay="0"/>
+                                  </p:stCondLst>
+                                  <p:childTnLst>
+                                    <p:set>
+                                      <p:cBhvr>
+                                        <p:cTn id="6" dur="1" fill="hold">
+                                          <p:stCondLst>
+                                            <p:cond delay="0"/>
+                                          </p:stCondLst>
+                                        </p:cTn>
+                                        <p:tgtEl>
+                                          <p:spTgt spid="3">
+                                            <p:txEl>
+                                              <p:pRg st="0" end="0"/>
+                                            </p:txEl>
+                                          </p:spTgt>
+                                        </p:tgtEl>
+                                        <p:attrNameLst>
+                                          <p:attrName>style.visibility</p:attrName>
+                                        </p:attrNameLst>
+                                      </p:cBhvr>
+                                      <p:to>
+                                        <p:strVal val="visible"/>
+                                      </p:to>
+                                    </p:set>
+                                  </p:childTnLst>
+                                </p:cTn>
+                              </p:par>
+                              <p:par>
+                                <p:cTn id="7" presetID="1" presetClass="entr" presetSubtype="0" fill="hold" grpId="0" nodeType="withEffect">
+                                  <p:stCondLst>
+                                    <p:cond delay="0"/>
+                                  </p:stCondLst>
+                                  <p:childTnLst>
+                                    <p:set>
+                                      <p:cBhvr>
+                                        <p:cTn id="8" dur="1" fill="hold">
+                                          <p:stCondLst>
+                                            <p:cond delay="0"/>
+                                          </p:stCondLst>
+                                        </p:cTn>
+                                        <p:tgtEl>
+                                          <p:spTgt spid="3">
+                                            <p:txEl>
+                                              <p:pRg st="1" end="1"/>
+                                            </p:txEl>
+                                          </p:spTgt>
+                                        </p:tgtEl>
+                                        <p:attrNameLst>
+                                          <p:attrName>style.visibility</p:attrName>
+                                        </p:attrNameLst>
+                                      </p:cBhvr>
+                                      <p:to>
+                                        <p:strVal val="visible"/>
+                                      </p:to>
+                                    </p:set>
+                                  </p:childTnLst>
+                                </p:cTn>
+                              </p:par>
+                            </p:childTnLst>
+                          </p:cTn>
+                        </p:par>
+                      </p:childTnLst>
+                    </p:cTn>
+                  </p:par>
+                  <p:par>
+                    <p:cTn id="9" fill="hold">
+                      <p:stCondLst>
+                        <p:cond delay="indefinite"/>
+                      </p:stCondLst>
+                      <p:childTnLst>
+                        <p:par>
+                          <p:cTn id="10" fill="hold">
+                            <p:stCondLst>
+                              <p:cond delay="0"/>
+                            </p:stCondLst>
+                            <p:childTnLst>
+                              <p:par>
+                                <p:cTn id="11" presetID="1" presetClass="entr" presetSubtype="0" fill="hold" grpId="0" nodeType="clickEffect">
+                                  <p:stCondLst>
+                                    <p:cond delay="0"/>
+                                  </p:stCondLst>
+                                  <p:childTnLst>
+                                    <p:set>
+                                      <p:cBhvr>
+                                        <p:cTn id="12" dur="1" fill="hold">
+                                          <p:stCondLst>
+                                            <p:cond delay="0"/>
+                                          </p:stCondLst>
+                                        </p:cTn>
+                                        <p:tgtEl>
+                                          <p:spTgt spid="3">
+                                            <p:txEl>
+                                              <p:pRg st="2" end="2"/>
+                                            </p:txEl>
+                                          </p:spTgt>
+                                        </p:tgtEl>
+                                        <p:attrNameLst>
+                                          <p:attrName>style.visibility</p:attrName>
+                                        </p:attrNameLst>
+                                      </p:cBhvr>
+                                      <p:to>
+                                        <p:strVal val="visible"/>
+                                      </p:to>
+                                    </p:set>
+                                  </p:childTnLst>
+                                </p:cTn>
+                              </p:par>
+                              <p:par>
+                                <p:cTn id="13" presetID="1" presetClass="entr" presetSubtype="0" fill="hold" grpId="0" nodeType="withEffect">
+                                  <p:stCondLst>
+                                    <p:cond delay="0"/>
+                                  </p:stCondLst>
+                                  <p:childTnLst>
+                                    <p:set>
+                                      <p:cBhvr>
+                                        <p:cTn id="14" dur="1" fill="hold">
+                                          <p:stCondLst>
+                                            <p:cond delay="0"/>
+                                          </p:stCondLst>
+                                        </p:cTn>
+                                        <p:tgtEl>
+                                          <p:spTgt spid="3">
+                                            <p:txEl>
+                                              <p:pRg st="3" end="3"/>
+                                            </p:txEl>
+                                          </p:spTgt>
+                                        </p:tgtEl>
+                                        <p:attrNameLst>
+                                          <p:attrName>style.visibility</p:attrName>
+                                        </p:attrNameLst>
+                                      </p:cBhvr>
+                                      <p:to>
+                                        <p:strVal val="visible"/>
+                                      </p:to>
+                                    </p:set>
+                                  </p:childTnLst>
+                                </p:cTn>
+                              </p:par>
+                            </p:childTnLst>
+                          </p:cTn>
+                        </p:par>
+                      </p:childTnLst>
+                    </p:cTn>
+                  </p:par>
+                  <p:par>
+                    <p:cTn id="15" fill="hold">
+                      <p:stCondLst>
+                        <p:cond delay="indefinite"/>
+                      </p:stCondLst>
+                      <p:childTnLst>
+                        <p:par>
+                          <p:cTn id="16" fill="hold">
+                            <p:stCondLst>
+                              <p:cond delay="0"/>
+                            </p:stCondLst>
+                            <p:childTnLst>
+                              <p:par>
+                                <p:cTn id="17" presetID="1" presetClass="entr" presetSubtype="0" fill="hold" grpId="0" nodeType="clickEffect">
+                                  <p:stCondLst>
+                                    <p:cond delay="0"/>
+                                  </p:stCondLst>
+                                  <p:childTnLst>
+                                    <p:set>
+                                      <p:cBhvr>
+                                        <p:cTn id="18" dur="1" fill="hold">
+                                          <p:stCondLst>
+                                            <p:cond delay="0"/>
+                                          </p:stCondLst>
+                                        </p:cTn>
+                                        <p:tgtEl>
+                                          <p:spTgt spid="3">
+                                            <p:txEl>
+                                              <p:pRg st="4" end="4"/>
+                                            </p:txEl>
+                                          </p:spTgt>
+                                        </p:tgtEl>
+                                        <p:attrNameLst>
+                                          <p:attrName>style.visibility</p:attrName>
+                                        </p:attrNameLst>
+                                      </p:cBhvr>
+                                      <p:to>
+                                        <p:strVal val="visible"/>
+                                      </p:to>
+                                    </p:set>
+                                  </p:childTnLst>
+                                </p:cTn>
+                              </p:par>
+                              <p:par>
+                                <p:cTn id="19" presetID="1" presetClass="entr" presetSubtype="0" fill="hold" grpId="0" nodeType="withEffect">
+                                  <p:stCondLst>
+                                    <p:cond delay="0"/>
+                                  </p:stCondLst>
+                                  <p:childTnLst>
+                                    <p:set>
+                                      <p:cBhvr>
+                                        <p:cTn id="20" dur="1" fill="hold">
+                                          <p:stCondLst>
+                                            <p:cond delay="0"/>
+                                          </p:stCondLst>
+                                        </p:cTn>
+                                        <p:tgtEl>
+                                          <p:spTgt spid="3">
+                                            <p:txEl>
+                                              <p:pRg st="5" end="5"/>
+                                            </p:txEl>
+                                          </p:spTgt>
+                                        </p:tgtEl>
+                                        <p:attrNameLst>
+                                          <p:attrName>style.visibility</p:attrName>
+                                        </p:attrNameLst>
+                                      </p:cBhvr>
+                                      <p:to>
+                                        <p:strVal val="visible"/>
+                                      </p:to>
+                                    </p:set>
+                                  </p:childTnLst>
+                                </p:cTn>
+                              </p:par>
+                            </p:childTnLst>
+                          </p:cTn>
+                        </p:par>
+                      </p:childTnLst>
+                    </p:cTn>
+                  </p:par>
+                  <p:par>
+                    <p:cTn id="21" fill="hold">
+                      <p:stCondLst>
+                        <p:cond delay="indefinite"/>
+                      </p:stCondLst>
+                      <p:childTnLst>
+                        <p:par>
+                          <p:cTn id="22" fill="hold">
+                            <p:stCondLst>
+                              <p:cond delay="0"/>
+                            </p:stCondLst>
+                            <p:childTnLst>
+                              <p:par>
+                                <p:cTn id="23" presetID="1" presetClass="entr" presetSubtype="0" fill="hold" grpId="0" nodeType="clickEffect">
+                                  <p:stCondLst>
+                                    <p:cond delay="0"/>
+                                  </p:stCondLst>
+                                  <p:childTnLst>
+                                    <p:set>
+                                      <p:cBhvr>
+                                        <p:cTn id="24" dur="1" fill="hold">
+                                          <p:stCondLst>
+                                            <p:cond delay="0"/>
+                                          </p:stCondLst>
+                                        </p:cTn>
+                                        <p:tgtEl>
+                                          <p:spTgt spid="3">
+                                            <p:txEl>
+                                              <p:pRg st="6" end="6"/>
+                                            </p:txEl>
+                                          </p:spTgt>
+                                        </p:tgtEl>
+                                        <p:attrNameLst>
+                                          <p:attrName>style.visibility</p:attrName>
+                                        </p:attrNameLst>
+                                      </p:cBhvr>
+                                      <p:to>
+                                        <p:strVal val="visible"/>
+                                      </p:to>
+                                    </p:set>
+                                  </p:childTnLst>
+                                </p:cTn>
+                              </p:par>
+                              <p:par>
+                                <p:cTn id="25" presetID="1" presetClass="entr" presetSubtype="0" fill="hold" grpId="0" nodeType="withEffect">
+                                  <p:stCondLst>
+                                    <p:cond delay="0"/>
+                                  </p:stCondLst>
+                                  <p:childTnLst>
+                                    <p:set>
+                                      <p:cBhvr>
+                                        <p:cTn id="26" dur="1" fill="hold">
+                                          <p:stCondLst>
+                                            <p:cond delay="0"/>
+                                          </p:stCondLst>
+                                        </p:cTn>
+                                        <p:tgtEl>
+                                          <p:spTgt spid="3">
+                                            <p:txEl>
+                                              <p:pRg st="7" end="7"/>
+                                            </p:txEl>
+                                          </p:spTgt>
+                                        </p:tgtEl>
+                                        <p:attrNameLst>
+                                          <p:attrName>style.visibility</p:attrName>
+                                        </p:attrNameLst>
+                                      </p:cBhvr>
+                                      <p:to>
+                                        <p:strVal val="visible"/>
+                                      </p:to>
+                                    </p:set>
+                                  </p:childTnLst>
+                                </p:cTn>
+                              </p:par>
+                            </p:childTnLst>
+                          </p:cTn>
+                        </p:par>
+                      </p:childTnLst>
+                    </p:cTn>
+                  </p:par>
+                </p:childTnLst>
+              </p:cTn>
+              <p:prevCondLst>
+                <p:cond evt="onPrev" delay="0">
+                  <p:tgtEl>
+                    <p:sldTgt/>
+                  </p:tgtEl>
+                </p:cond>
+              </p:prevCondLst>
+              <p:nextCondLst>
+                <p:cond evt="onNext" delay="0">
+                  <p:tgtEl>
+                    <p:sldTgt/>
+                  </p:tgtEl>
+                </p:cond>
+              </p:nextCondLst>
+            </p:seq>
+          </p:childTnLst>
+        </p:cTn>
+      </p:par>
+    </p:tnLst>
+    <p:bldLst>
+      <p:bldP spid="3" grpId="0" build="p"/>
+    </p:bldLst>
+  </p:timing>
 </p:sld>
 </file>
 
@@ -20884,40 +21696,40 @@
           <a:lstStyle/>
           <a:p>
             <a:r>
-              <a:rPr lang="en-US" sz="2200"/>
+              <a:rPr lang="en-US" sz="2200" dirty="0"/>
               <a:t>Marketing Information System (MIS)</a:t>
             </a:r>
           </a:p>
           <a:p>
             <a:pPr lvl="1"/>
             <a:r>
-              <a:rPr lang="en-US" sz="2200"/>
+              <a:rPr lang="en-US" sz="2200" dirty="0"/>
               <a:t>A set of procedures and methods for the regular, planned collection, analysis, and presentation of information for use in making marketing decisions. </a:t>
             </a:r>
           </a:p>
           <a:p>
             <a:r>
-              <a:rPr lang="en-US" sz="2200"/>
+              <a:rPr lang="en-US" sz="2200" dirty="0"/>
               <a:t>Decision Support System (DSS)</a:t>
             </a:r>
           </a:p>
           <a:p>
             <a:pPr lvl="1"/>
             <a:r>
-              <a:rPr lang="en-US" sz="2200"/>
+              <a:rPr lang="en-US" sz="2200" dirty="0"/>
               <a:t>A system that combines data, models for guiding decision, and a user interface that allows users to interact with the system to produce customized info</a:t>
             </a:r>
           </a:p>
           <a:p>
             <a:r>
-              <a:rPr lang="en-US" sz="2200"/>
+              <a:rPr lang="en-US" sz="2200" dirty="0"/>
               <a:t>Customer Relationship Management (CRM)</a:t>
             </a:r>
           </a:p>
           <a:p>
             <a:pPr lvl="1"/>
             <a:r>
-              <a:rPr lang="en-US" sz="2200"/>
+              <a:rPr lang="en-US" sz="2200" dirty="0"/>
               <a:t>A system that gathers all relevant information about a company’s customers and makes it available to the employees that interact with the customers. </a:t>
             </a:r>
           </a:p>
@@ -21019,6 +21831,279 @@
   <p:clrMapOvr>
     <a:masterClrMapping/>
   </p:clrMapOvr>
+  <p:timing>
+    <p:tnLst>
+      <p:par>
+        <p:cTn id="1" dur="indefinite" restart="never" nodeType="tmRoot">
+          <p:childTnLst>
+            <p:seq concurrent="1" nextAc="seek">
+              <p:cTn id="2" dur="indefinite" nodeType="mainSeq">
+                <p:childTnLst>
+                  <p:par>
+                    <p:cTn id="3" fill="hold">
+                      <p:stCondLst>
+                        <p:cond delay="indefinite"/>
+                      </p:stCondLst>
+                      <p:childTnLst>
+                        <p:par>
+                          <p:cTn id="4" fill="hold">
+                            <p:stCondLst>
+                              <p:cond delay="0"/>
+                            </p:stCondLst>
+                            <p:childTnLst>
+                              <p:par>
+                                <p:cTn id="5" presetID="1" presetClass="entr" presetSubtype="0" fill="hold" grpId="0" nodeType="clickEffect">
+                                  <p:stCondLst>
+                                    <p:cond delay="0"/>
+                                  </p:stCondLst>
+                                  <p:childTnLst>
+                                    <p:set>
+                                      <p:cBhvr>
+                                        <p:cTn id="6" dur="1" fill="hold">
+                                          <p:stCondLst>
+                                            <p:cond delay="0"/>
+                                          </p:stCondLst>
+                                        </p:cTn>
+                                        <p:tgtEl>
+                                          <p:spTgt spid="3">
+                                            <p:txEl>
+                                              <p:pRg st="0" end="0"/>
+                                            </p:txEl>
+                                          </p:spTgt>
+                                        </p:tgtEl>
+                                        <p:attrNameLst>
+                                          <p:attrName>style.visibility</p:attrName>
+                                        </p:attrNameLst>
+                                      </p:cBhvr>
+                                      <p:to>
+                                        <p:strVal val="visible"/>
+                                      </p:to>
+                                    </p:set>
+                                  </p:childTnLst>
+                                </p:cTn>
+                              </p:par>
+                              <p:par>
+                                <p:cTn id="7" presetID="1" presetClass="entr" presetSubtype="0" fill="hold" grpId="0" nodeType="withEffect">
+                                  <p:stCondLst>
+                                    <p:cond delay="0"/>
+                                  </p:stCondLst>
+                                  <p:childTnLst>
+                                    <p:set>
+                                      <p:cBhvr>
+                                        <p:cTn id="8" dur="1" fill="hold">
+                                          <p:stCondLst>
+                                            <p:cond delay="0"/>
+                                          </p:stCondLst>
+                                        </p:cTn>
+                                        <p:tgtEl>
+                                          <p:spTgt spid="3">
+                                            <p:txEl>
+                                              <p:pRg st="1" end="1"/>
+                                            </p:txEl>
+                                          </p:spTgt>
+                                        </p:tgtEl>
+                                        <p:attrNameLst>
+                                          <p:attrName>style.visibility</p:attrName>
+                                        </p:attrNameLst>
+                                      </p:cBhvr>
+                                      <p:to>
+                                        <p:strVal val="visible"/>
+                                      </p:to>
+                                    </p:set>
+                                  </p:childTnLst>
+                                </p:cTn>
+                              </p:par>
+                            </p:childTnLst>
+                          </p:cTn>
+                        </p:par>
+                      </p:childTnLst>
+                    </p:cTn>
+                  </p:par>
+                  <p:par>
+                    <p:cTn id="9" fill="hold">
+                      <p:stCondLst>
+                        <p:cond delay="indefinite"/>
+                      </p:stCondLst>
+                      <p:childTnLst>
+                        <p:par>
+                          <p:cTn id="10" fill="hold">
+                            <p:stCondLst>
+                              <p:cond delay="0"/>
+                            </p:stCondLst>
+                            <p:childTnLst>
+                              <p:par>
+                                <p:cTn id="11" presetID="1" presetClass="entr" presetSubtype="0" fill="hold" grpId="0" nodeType="clickEffect">
+                                  <p:stCondLst>
+                                    <p:cond delay="0"/>
+                                  </p:stCondLst>
+                                  <p:childTnLst>
+                                    <p:set>
+                                      <p:cBhvr>
+                                        <p:cTn id="12" dur="1" fill="hold">
+                                          <p:stCondLst>
+                                            <p:cond delay="0"/>
+                                          </p:stCondLst>
+                                        </p:cTn>
+                                        <p:tgtEl>
+                                          <p:spTgt spid="3">
+                                            <p:txEl>
+                                              <p:pRg st="2" end="2"/>
+                                            </p:txEl>
+                                          </p:spTgt>
+                                        </p:tgtEl>
+                                        <p:attrNameLst>
+                                          <p:attrName>style.visibility</p:attrName>
+                                        </p:attrNameLst>
+                                      </p:cBhvr>
+                                      <p:to>
+                                        <p:strVal val="visible"/>
+                                      </p:to>
+                                    </p:set>
+                                  </p:childTnLst>
+                                </p:cTn>
+                              </p:par>
+                              <p:par>
+                                <p:cTn id="13" presetID="1" presetClass="entr" presetSubtype="0" fill="hold" grpId="0" nodeType="withEffect">
+                                  <p:stCondLst>
+                                    <p:cond delay="0"/>
+                                  </p:stCondLst>
+                                  <p:childTnLst>
+                                    <p:set>
+                                      <p:cBhvr>
+                                        <p:cTn id="14" dur="1" fill="hold">
+                                          <p:stCondLst>
+                                            <p:cond delay="0"/>
+                                          </p:stCondLst>
+                                        </p:cTn>
+                                        <p:tgtEl>
+                                          <p:spTgt spid="3">
+                                            <p:txEl>
+                                              <p:pRg st="3" end="3"/>
+                                            </p:txEl>
+                                          </p:spTgt>
+                                        </p:tgtEl>
+                                        <p:attrNameLst>
+                                          <p:attrName>style.visibility</p:attrName>
+                                        </p:attrNameLst>
+                                      </p:cBhvr>
+                                      <p:to>
+                                        <p:strVal val="visible"/>
+                                      </p:to>
+                                    </p:set>
+                                  </p:childTnLst>
+                                </p:cTn>
+                              </p:par>
+                            </p:childTnLst>
+                          </p:cTn>
+                        </p:par>
+                      </p:childTnLst>
+                    </p:cTn>
+                  </p:par>
+                  <p:par>
+                    <p:cTn id="15" fill="hold">
+                      <p:stCondLst>
+                        <p:cond delay="indefinite"/>
+                      </p:stCondLst>
+                      <p:childTnLst>
+                        <p:par>
+                          <p:cTn id="16" fill="hold">
+                            <p:stCondLst>
+                              <p:cond delay="0"/>
+                            </p:stCondLst>
+                            <p:childTnLst>
+                              <p:par>
+                                <p:cTn id="17" presetID="1" presetClass="entr" presetSubtype="0" fill="hold" grpId="0" nodeType="clickEffect">
+                                  <p:stCondLst>
+                                    <p:cond delay="0"/>
+                                  </p:stCondLst>
+                                  <p:childTnLst>
+                                    <p:set>
+                                      <p:cBhvr>
+                                        <p:cTn id="18" dur="1" fill="hold">
+                                          <p:stCondLst>
+                                            <p:cond delay="0"/>
+                                          </p:stCondLst>
+                                        </p:cTn>
+                                        <p:tgtEl>
+                                          <p:spTgt spid="3">
+                                            <p:txEl>
+                                              <p:pRg st="4" end="4"/>
+                                            </p:txEl>
+                                          </p:spTgt>
+                                        </p:tgtEl>
+                                        <p:attrNameLst>
+                                          <p:attrName>style.visibility</p:attrName>
+                                        </p:attrNameLst>
+                                      </p:cBhvr>
+                                      <p:to>
+                                        <p:strVal val="visible"/>
+                                      </p:to>
+                                    </p:set>
+                                  </p:childTnLst>
+                                </p:cTn>
+                              </p:par>
+                              <p:par>
+                                <p:cTn id="19" presetID="1" presetClass="entr" presetSubtype="0" fill="hold" grpId="0" nodeType="withEffect">
+                                  <p:stCondLst>
+                                    <p:cond delay="0"/>
+                                  </p:stCondLst>
+                                  <p:childTnLst>
+                                    <p:set>
+                                      <p:cBhvr>
+                                        <p:cTn id="20" dur="1" fill="hold">
+                                          <p:stCondLst>
+                                            <p:cond delay="0"/>
+                                          </p:stCondLst>
+                                        </p:cTn>
+                                        <p:tgtEl>
+                                          <p:spTgt spid="3">
+                                            <p:txEl>
+                                              <p:pRg st="5" end="5"/>
+                                            </p:txEl>
+                                          </p:spTgt>
+                                        </p:tgtEl>
+                                        <p:attrNameLst>
+                                          <p:attrName>style.visibility</p:attrName>
+                                        </p:attrNameLst>
+                                      </p:cBhvr>
+                                      <p:to>
+                                        <p:strVal val="visible"/>
+                                      </p:to>
+                                    </p:set>
+                                  </p:childTnLst>
+                                </p:cTn>
+                              </p:par>
+                            </p:childTnLst>
+                          </p:cTn>
+                        </p:par>
+                      </p:childTnLst>
+                    </p:cTn>
+                  </p:par>
+                </p:childTnLst>
+              </p:cTn>
+              <p:prevCondLst>
+                <p:cond evt="onPrev" delay="0">
+                  <p:tgtEl>
+                    <p:sldTgt/>
+                  </p:tgtEl>
+                </p:cond>
+              </p:prevCondLst>
+              <p:nextCondLst>
+                <p:cond evt="onNext" delay="0">
+                  <p:tgtEl>
+                    <p:sldTgt/>
+                  </p:tgtEl>
+                </p:cond>
+              </p:nextCondLst>
+            </p:seq>
+          </p:childTnLst>
+        </p:cTn>
+      </p:par>
+    </p:tnLst>
+    <p:bldLst>
+      <p:bldP spid="3" grpId="0" build="p"/>
+    </p:bldLst>
+  </p:timing>
 </p:sld>
 </file>
 
@@ -24002,7 +25087,7 @@
             </a:pPr>
             <a:r>
               <a:rPr lang="en-US" dirty="0"/>
-              <a:t>Identify the four Versus of “big data” </a:t>
+              <a:t>Identify the four Vs of “big data” </a:t>
             </a:r>
           </a:p>
           <a:p>
@@ -24143,6 +25228,284 @@
   <p:clrMapOvr>
     <a:masterClrMapping/>
   </p:clrMapOvr>
+  <p:timing>
+    <p:tnLst>
+      <p:par>
+        <p:cTn id="1" dur="indefinite" restart="never" nodeType="tmRoot">
+          <p:childTnLst>
+            <p:seq concurrent="1" nextAc="seek">
+              <p:cTn id="2" dur="indefinite" nodeType="mainSeq">
+                <p:childTnLst>
+                  <p:par>
+                    <p:cTn id="3" fill="hold">
+                      <p:stCondLst>
+                        <p:cond delay="indefinite"/>
+                      </p:stCondLst>
+                      <p:childTnLst>
+                        <p:par>
+                          <p:cTn id="4" fill="hold">
+                            <p:stCondLst>
+                              <p:cond delay="0"/>
+                            </p:stCondLst>
+                            <p:childTnLst>
+                              <p:par>
+                                <p:cTn id="5" presetID="1" presetClass="entr" presetSubtype="0" fill="hold" grpId="0" nodeType="clickEffect">
+                                  <p:stCondLst>
+                                    <p:cond delay="0"/>
+                                  </p:stCondLst>
+                                  <p:childTnLst>
+                                    <p:set>
+                                      <p:cBhvr>
+                                        <p:cTn id="6" dur="1" fill="hold">
+                                          <p:stCondLst>
+                                            <p:cond delay="0"/>
+                                          </p:stCondLst>
+                                        </p:cTn>
+                                        <p:tgtEl>
+                                          <p:spTgt spid="3">
+                                            <p:txEl>
+                                              <p:pRg st="0" end="0"/>
+                                            </p:txEl>
+                                          </p:spTgt>
+                                        </p:tgtEl>
+                                        <p:attrNameLst>
+                                          <p:attrName>style.visibility</p:attrName>
+                                        </p:attrNameLst>
+                                      </p:cBhvr>
+                                      <p:to>
+                                        <p:strVal val="visible"/>
+                                      </p:to>
+                                    </p:set>
+                                  </p:childTnLst>
+                                </p:cTn>
+                              </p:par>
+                            </p:childTnLst>
+                          </p:cTn>
+                        </p:par>
+                      </p:childTnLst>
+                    </p:cTn>
+                  </p:par>
+                  <p:par>
+                    <p:cTn id="7" fill="hold">
+                      <p:stCondLst>
+                        <p:cond delay="indefinite"/>
+                      </p:stCondLst>
+                      <p:childTnLst>
+                        <p:par>
+                          <p:cTn id="8" fill="hold">
+                            <p:stCondLst>
+                              <p:cond delay="0"/>
+                            </p:stCondLst>
+                            <p:childTnLst>
+                              <p:par>
+                                <p:cTn id="9" presetID="1" presetClass="entr" presetSubtype="0" fill="hold" grpId="0" nodeType="clickEffect">
+                                  <p:stCondLst>
+                                    <p:cond delay="0"/>
+                                  </p:stCondLst>
+                                  <p:childTnLst>
+                                    <p:set>
+                                      <p:cBhvr>
+                                        <p:cTn id="10" dur="1" fill="hold">
+                                          <p:stCondLst>
+                                            <p:cond delay="0"/>
+                                          </p:stCondLst>
+                                        </p:cTn>
+                                        <p:tgtEl>
+                                          <p:spTgt spid="3">
+                                            <p:txEl>
+                                              <p:pRg st="1" end="1"/>
+                                            </p:txEl>
+                                          </p:spTgt>
+                                        </p:tgtEl>
+                                        <p:attrNameLst>
+                                          <p:attrName>style.visibility</p:attrName>
+                                        </p:attrNameLst>
+                                      </p:cBhvr>
+                                      <p:to>
+                                        <p:strVal val="visible"/>
+                                      </p:to>
+                                    </p:set>
+                                  </p:childTnLst>
+                                </p:cTn>
+                              </p:par>
+                            </p:childTnLst>
+                          </p:cTn>
+                        </p:par>
+                      </p:childTnLst>
+                    </p:cTn>
+                  </p:par>
+                  <p:par>
+                    <p:cTn id="11" fill="hold">
+                      <p:stCondLst>
+                        <p:cond delay="indefinite"/>
+                      </p:stCondLst>
+                      <p:childTnLst>
+                        <p:par>
+                          <p:cTn id="12" fill="hold">
+                            <p:stCondLst>
+                              <p:cond delay="0"/>
+                            </p:stCondLst>
+                            <p:childTnLst>
+                              <p:par>
+                                <p:cTn id="13" presetID="1" presetClass="entr" presetSubtype="0" fill="hold" grpId="0" nodeType="clickEffect">
+                                  <p:stCondLst>
+                                    <p:cond delay="0"/>
+                                  </p:stCondLst>
+                                  <p:childTnLst>
+                                    <p:set>
+                                      <p:cBhvr>
+                                        <p:cTn id="14" dur="1" fill="hold">
+                                          <p:stCondLst>
+                                            <p:cond delay="0"/>
+                                          </p:stCondLst>
+                                        </p:cTn>
+                                        <p:tgtEl>
+                                          <p:spTgt spid="3">
+                                            <p:txEl>
+                                              <p:pRg st="2" end="2"/>
+                                            </p:txEl>
+                                          </p:spTgt>
+                                        </p:tgtEl>
+                                        <p:attrNameLst>
+                                          <p:attrName>style.visibility</p:attrName>
+                                        </p:attrNameLst>
+                                      </p:cBhvr>
+                                      <p:to>
+                                        <p:strVal val="visible"/>
+                                      </p:to>
+                                    </p:set>
+                                  </p:childTnLst>
+                                </p:cTn>
+                              </p:par>
+                            </p:childTnLst>
+                          </p:cTn>
+                        </p:par>
+                      </p:childTnLst>
+                    </p:cTn>
+                  </p:par>
+                  <p:par>
+                    <p:cTn id="15" fill="hold">
+                      <p:stCondLst>
+                        <p:cond delay="indefinite"/>
+                      </p:stCondLst>
+                      <p:childTnLst>
+                        <p:par>
+                          <p:cTn id="16" fill="hold">
+                            <p:stCondLst>
+                              <p:cond delay="0"/>
+                            </p:stCondLst>
+                            <p:childTnLst>
+                              <p:par>
+                                <p:cTn id="17" presetID="1" presetClass="entr" presetSubtype="0" fill="hold" grpId="0" nodeType="clickEffect">
+                                  <p:stCondLst>
+                                    <p:cond delay="0"/>
+                                  </p:stCondLst>
+                                  <p:childTnLst>
+                                    <p:set>
+                                      <p:cBhvr>
+                                        <p:cTn id="18" dur="1" fill="hold">
+                                          <p:stCondLst>
+                                            <p:cond delay="0"/>
+                                          </p:stCondLst>
+                                        </p:cTn>
+                                        <p:tgtEl>
+                                          <p:spTgt spid="3">
+                                            <p:txEl>
+                                              <p:pRg st="3" end="3"/>
+                                            </p:txEl>
+                                          </p:spTgt>
+                                        </p:tgtEl>
+                                        <p:attrNameLst>
+                                          <p:attrName>style.visibility</p:attrName>
+                                        </p:attrNameLst>
+                                      </p:cBhvr>
+                                      <p:to>
+                                        <p:strVal val="visible"/>
+                                      </p:to>
+                                    </p:set>
+                                  </p:childTnLst>
+                                </p:cTn>
+                              </p:par>
+                            </p:childTnLst>
+                          </p:cTn>
+                        </p:par>
+                      </p:childTnLst>
+                    </p:cTn>
+                  </p:par>
+                  <p:par>
+                    <p:cTn id="19" fill="hold">
+                      <p:stCondLst>
+                        <p:cond delay="indefinite"/>
+                      </p:stCondLst>
+                      <p:childTnLst>
+                        <p:par>
+                          <p:cTn id="20" fill="hold">
+                            <p:stCondLst>
+                              <p:cond delay="0"/>
+                            </p:stCondLst>
+                            <p:childTnLst>
+                              <p:par>
+                                <p:cTn id="21" presetID="1" presetClass="entr" presetSubtype="0" fill="hold" grpId="0" nodeType="clickEffect">
+                                  <p:stCondLst>
+                                    <p:cond delay="0"/>
+                                  </p:stCondLst>
+                                  <p:childTnLst>
+                                    <p:set>
+                                      <p:cBhvr>
+                                        <p:cTn id="22" dur="1" fill="hold">
+                                          <p:stCondLst>
+                                            <p:cond delay="0"/>
+                                          </p:stCondLst>
+                                        </p:cTn>
+                                        <p:tgtEl>
+                                          <p:spTgt spid="3">
+                                            <p:txEl>
+                                              <p:pRg st="4" end="4"/>
+                                            </p:txEl>
+                                          </p:spTgt>
+                                        </p:tgtEl>
+                                        <p:attrNameLst>
+                                          <p:attrName>style.visibility</p:attrName>
+                                        </p:attrNameLst>
+                                      </p:cBhvr>
+                                      <p:to>
+                                        <p:strVal val="visible"/>
+                                      </p:to>
+                                    </p:set>
+                                  </p:childTnLst>
+                                </p:cTn>
+                              </p:par>
+                            </p:childTnLst>
+                          </p:cTn>
+                        </p:par>
+                      </p:childTnLst>
+                    </p:cTn>
+                  </p:par>
+                </p:childTnLst>
+              </p:cTn>
+              <p:prevCondLst>
+                <p:cond evt="onPrev" delay="0">
+                  <p:tgtEl>
+                    <p:sldTgt/>
+                  </p:tgtEl>
+                </p:cond>
+              </p:prevCondLst>
+              <p:nextCondLst>
+                <p:cond evt="onNext" delay="0">
+                  <p:tgtEl>
+                    <p:sldTgt/>
+                  </p:tgtEl>
+                </p:cond>
+              </p:nextCondLst>
+            </p:seq>
+          </p:childTnLst>
+        </p:cTn>
+      </p:par>
+    </p:tnLst>
+    <p:bldLst>
+      <p:bldP spid="3" grpId="0" build="p"/>
+    </p:bldLst>
+  </p:timing>
 </p:sld>
 </file>
 
@@ -28187,6 +29550,126 @@
   <p:clrMapOvr>
     <a:masterClrMapping/>
   </p:clrMapOvr>
+  <p:timing>
+    <p:tnLst>
+      <p:par>
+        <p:cTn id="1" dur="indefinite" restart="never" nodeType="tmRoot">
+          <p:childTnLst>
+            <p:seq concurrent="1" nextAc="seek">
+              <p:cTn id="2" dur="indefinite" nodeType="mainSeq">
+                <p:childTnLst>
+                  <p:par>
+                    <p:cTn id="3" fill="hold">
+                      <p:stCondLst>
+                        <p:cond delay="indefinite"/>
+                      </p:stCondLst>
+                      <p:childTnLst>
+                        <p:par>
+                          <p:cTn id="4" fill="hold">
+                            <p:stCondLst>
+                              <p:cond delay="0"/>
+                            </p:stCondLst>
+                            <p:childTnLst>
+                              <p:par>
+                                <p:cTn id="5" presetID="1" presetClass="entr" presetSubtype="0" fill="hold" nodeType="clickEffect">
+                                  <p:stCondLst>
+                                    <p:cond delay="0"/>
+                                  </p:stCondLst>
+                                  <p:childTnLst>
+                                    <p:set>
+                                      <p:cBhvr>
+                                        <p:cTn id="6" dur="1" fill="hold">
+                                          <p:stCondLst>
+                                            <p:cond delay="0"/>
+                                          </p:stCondLst>
+                                        </p:cTn>
+                                        <p:tgtEl>
+                                          <p:spTgt spid="1026"/>
+                                        </p:tgtEl>
+                                        <p:attrNameLst>
+                                          <p:attrName>style.visibility</p:attrName>
+                                        </p:attrNameLst>
+                                      </p:cBhvr>
+                                      <p:to>
+                                        <p:strVal val="visible"/>
+                                      </p:to>
+                                    </p:set>
+                                  </p:childTnLst>
+                                </p:cTn>
+                              </p:par>
+                            </p:childTnLst>
+                          </p:cTn>
+                        </p:par>
+                      </p:childTnLst>
+                    </p:cTn>
+                  </p:par>
+                  <p:par>
+                    <p:cTn id="7" fill="hold">
+                      <p:stCondLst>
+                        <p:cond delay="indefinite"/>
+                      </p:stCondLst>
+                      <p:childTnLst>
+                        <p:par>
+                          <p:cTn id="8" fill="hold">
+                            <p:stCondLst>
+                              <p:cond delay="0"/>
+                            </p:stCondLst>
+                            <p:childTnLst>
+                              <p:par>
+                                <p:cTn id="9" presetID="1" presetClass="entr" presetSubtype="0" fill="hold" nodeType="clickEffect">
+                                  <p:stCondLst>
+                                    <p:cond delay="0"/>
+                                  </p:stCondLst>
+                                  <p:childTnLst>
+                                    <p:set>
+                                      <p:cBhvr>
+                                        <p:cTn id="10" dur="1" fill="hold">
+                                          <p:stCondLst>
+                                            <p:cond delay="0"/>
+                                          </p:stCondLst>
+                                        </p:cTn>
+                                        <p:tgtEl>
+                                          <p:spTgt spid="1028"/>
+                                        </p:tgtEl>
+                                        <p:attrNameLst>
+                                          <p:attrName>style.visibility</p:attrName>
+                                        </p:attrNameLst>
+                                      </p:cBhvr>
+                                      <p:to>
+                                        <p:strVal val="visible"/>
+                                      </p:to>
+                                    </p:set>
+                                  </p:childTnLst>
+                                </p:cTn>
+                              </p:par>
+                            </p:childTnLst>
+                          </p:cTn>
+                        </p:par>
+                      </p:childTnLst>
+                    </p:cTn>
+                  </p:par>
+                </p:childTnLst>
+              </p:cTn>
+              <p:prevCondLst>
+                <p:cond evt="onPrev" delay="0">
+                  <p:tgtEl>
+                    <p:sldTgt/>
+                  </p:tgtEl>
+                </p:cond>
+              </p:prevCondLst>
+              <p:nextCondLst>
+                <p:cond evt="onNext" delay="0">
+                  <p:tgtEl>
+                    <p:sldTgt/>
+                  </p:tgtEl>
+                </p:cond>
+              </p:nextCondLst>
+            </p:seq>
+          </p:childTnLst>
+        </p:cTn>
+      </p:par>
+    </p:tnLst>
+  </p:timing>
 </p:sld>
 </file>
 
@@ -28635,6 +30118,168 @@
   <p:clrMapOvr>
     <a:masterClrMapping/>
   </p:clrMapOvr>
+  <p:timing>
+    <p:tnLst>
+      <p:par>
+        <p:cTn id="1" dur="indefinite" restart="never" nodeType="tmRoot">
+          <p:childTnLst>
+            <p:seq concurrent="1" nextAc="seek">
+              <p:cTn id="2" dur="indefinite" nodeType="mainSeq">
+                <p:childTnLst>
+                  <p:par>
+                    <p:cTn id="3" fill="hold">
+                      <p:stCondLst>
+                        <p:cond delay="indefinite"/>
+                      </p:stCondLst>
+                      <p:childTnLst>
+                        <p:par>
+                          <p:cTn id="4" fill="hold">
+                            <p:stCondLst>
+                              <p:cond delay="0"/>
+                            </p:stCondLst>
+                            <p:childTnLst>
+                              <p:par>
+                                <p:cTn id="5" presetID="1" presetClass="entr" presetSubtype="0" fill="hold" grpId="0" nodeType="clickEffect">
+                                  <p:stCondLst>
+                                    <p:cond delay="0"/>
+                                  </p:stCondLst>
+                                  <p:childTnLst>
+                                    <p:set>
+                                      <p:cBhvr>
+                                        <p:cTn id="6" dur="1" fill="hold">
+                                          <p:stCondLst>
+                                            <p:cond delay="0"/>
+                                          </p:stCondLst>
+                                        </p:cTn>
+                                        <p:tgtEl>
+                                          <p:spTgt spid="3">
+                                            <p:txEl>
+                                              <p:pRg st="0" end="0"/>
+                                            </p:txEl>
+                                          </p:spTgt>
+                                        </p:tgtEl>
+                                        <p:attrNameLst>
+                                          <p:attrName>style.visibility</p:attrName>
+                                        </p:attrNameLst>
+                                      </p:cBhvr>
+                                      <p:to>
+                                        <p:strVal val="visible"/>
+                                      </p:to>
+                                    </p:set>
+                                  </p:childTnLst>
+                                </p:cTn>
+                              </p:par>
+                              <p:par>
+                                <p:cTn id="7" presetID="1" presetClass="entr" presetSubtype="0" fill="hold" grpId="0" nodeType="withEffect">
+                                  <p:stCondLst>
+                                    <p:cond delay="0"/>
+                                  </p:stCondLst>
+                                  <p:childTnLst>
+                                    <p:set>
+                                      <p:cBhvr>
+                                        <p:cTn id="8" dur="1" fill="hold">
+                                          <p:stCondLst>
+                                            <p:cond delay="0"/>
+                                          </p:stCondLst>
+                                        </p:cTn>
+                                        <p:tgtEl>
+                                          <p:spTgt spid="3">
+                                            <p:txEl>
+                                              <p:pRg st="1" end="1"/>
+                                            </p:txEl>
+                                          </p:spTgt>
+                                        </p:tgtEl>
+                                        <p:attrNameLst>
+                                          <p:attrName>style.visibility</p:attrName>
+                                        </p:attrNameLst>
+                                      </p:cBhvr>
+                                      <p:to>
+                                        <p:strVal val="visible"/>
+                                      </p:to>
+                                    </p:set>
+                                  </p:childTnLst>
+                                </p:cTn>
+                              </p:par>
+                            </p:childTnLst>
+                          </p:cTn>
+                        </p:par>
+                      </p:childTnLst>
+                    </p:cTn>
+                  </p:par>
+                  <p:par>
+                    <p:cTn id="9" fill="hold">
+                      <p:stCondLst>
+                        <p:cond delay="indefinite"/>
+                      </p:stCondLst>
+                      <p:childTnLst>
+                        <p:par>
+                          <p:cTn id="10" fill="hold">
+                            <p:stCondLst>
+                              <p:cond delay="0"/>
+                            </p:stCondLst>
+                            <p:childTnLst>
+                              <p:par>
+                                <p:cTn id="11" presetID="1" presetClass="entr" presetSubtype="0" fill="hold" grpId="0" nodeType="clickEffect">
+                                  <p:stCondLst>
+                                    <p:cond delay="0"/>
+                                  </p:stCondLst>
+                                  <p:childTnLst>
+                                    <p:set>
+                                      <p:cBhvr>
+                                        <p:cTn id="12" dur="1" fill="hold">
+                                          <p:stCondLst>
+                                            <p:cond delay="0"/>
+                                          </p:stCondLst>
+                                        </p:cTn>
+                                        <p:tgtEl>
+                                          <p:spTgt spid="3">
+                                            <p:txEl>
+                                              <p:pRg st="2" end="2"/>
+                                            </p:txEl>
+                                          </p:spTgt>
+                                        </p:tgtEl>
+                                        <p:attrNameLst>
+                                          <p:attrName>style.visibility</p:attrName>
+                                        </p:attrNameLst>
+                                      </p:cBhvr>
+                                      <p:to>
+                                        <p:strVal val="visible"/>
+                                      </p:to>
+                                    </p:set>
+                                  </p:childTnLst>
+                                </p:cTn>
+                              </p:par>
+                            </p:childTnLst>
+                          </p:cTn>
+                        </p:par>
+                      </p:childTnLst>
+                    </p:cTn>
+                  </p:par>
+                </p:childTnLst>
+              </p:cTn>
+              <p:prevCondLst>
+                <p:cond evt="onPrev" delay="0">
+                  <p:tgtEl>
+                    <p:sldTgt/>
+                  </p:tgtEl>
+                </p:cond>
+              </p:prevCondLst>
+              <p:nextCondLst>
+                <p:cond evt="onNext" delay="0">
+                  <p:tgtEl>
+                    <p:sldTgt/>
+                  </p:tgtEl>
+                </p:cond>
+              </p:nextCondLst>
+            </p:seq>
+          </p:childTnLst>
+        </p:cTn>
+      </p:par>
+    </p:tnLst>
+    <p:bldLst>
+      <p:bldP spid="3" grpId="0" build="p"/>
+    </p:bldLst>
+  </p:timing>
 </p:sld>
 </file>
 
@@ -29106,6 +30751,235 @@
   <p:clrMapOvr>
     <a:masterClrMapping/>
   </p:clrMapOvr>
+  <p:timing>
+    <p:tnLst>
+      <p:par>
+        <p:cTn id="1" dur="indefinite" restart="never" nodeType="tmRoot">
+          <p:childTnLst>
+            <p:seq concurrent="1" nextAc="seek">
+              <p:cTn id="2" dur="indefinite" nodeType="mainSeq">
+                <p:childTnLst>
+                  <p:par>
+                    <p:cTn id="3" fill="hold">
+                      <p:stCondLst>
+                        <p:cond delay="indefinite"/>
+                      </p:stCondLst>
+                      <p:childTnLst>
+                        <p:par>
+                          <p:cTn id="4" fill="hold">
+                            <p:stCondLst>
+                              <p:cond delay="0"/>
+                            </p:stCondLst>
+                            <p:childTnLst>
+                              <p:par>
+                                <p:cTn id="5" presetID="1" presetClass="entr" presetSubtype="0" fill="hold" grpId="0" nodeType="clickEffect">
+                                  <p:stCondLst>
+                                    <p:cond delay="0"/>
+                                  </p:stCondLst>
+                                  <p:childTnLst>
+                                    <p:set>
+                                      <p:cBhvr>
+                                        <p:cTn id="6" dur="1" fill="hold">
+                                          <p:stCondLst>
+                                            <p:cond delay="0"/>
+                                          </p:stCondLst>
+                                        </p:cTn>
+                                        <p:tgtEl>
+                                          <p:spTgt spid="3">
+                                            <p:txEl>
+                                              <p:pRg st="0" end="0"/>
+                                            </p:txEl>
+                                          </p:spTgt>
+                                        </p:tgtEl>
+                                        <p:attrNameLst>
+                                          <p:attrName>style.visibility</p:attrName>
+                                        </p:attrNameLst>
+                                      </p:cBhvr>
+                                      <p:to>
+                                        <p:strVal val="visible"/>
+                                      </p:to>
+                                    </p:set>
+                                  </p:childTnLst>
+                                </p:cTn>
+                              </p:par>
+                            </p:childTnLst>
+                          </p:cTn>
+                        </p:par>
+                      </p:childTnLst>
+                    </p:cTn>
+                  </p:par>
+                  <p:par>
+                    <p:cTn id="7" fill="hold">
+                      <p:stCondLst>
+                        <p:cond delay="indefinite"/>
+                      </p:stCondLst>
+                      <p:childTnLst>
+                        <p:par>
+                          <p:cTn id="8" fill="hold">
+                            <p:stCondLst>
+                              <p:cond delay="0"/>
+                            </p:stCondLst>
+                            <p:childTnLst>
+                              <p:par>
+                                <p:cTn id="9" presetID="1" presetClass="entr" presetSubtype="0" fill="hold" grpId="0" nodeType="clickEffect">
+                                  <p:stCondLst>
+                                    <p:cond delay="0"/>
+                                  </p:stCondLst>
+                                  <p:childTnLst>
+                                    <p:set>
+                                      <p:cBhvr>
+                                        <p:cTn id="10" dur="1" fill="hold">
+                                          <p:stCondLst>
+                                            <p:cond delay="0"/>
+                                          </p:stCondLst>
+                                        </p:cTn>
+                                        <p:tgtEl>
+                                          <p:spTgt spid="3">
+                                            <p:txEl>
+                                              <p:pRg st="1" end="1"/>
+                                            </p:txEl>
+                                          </p:spTgt>
+                                        </p:tgtEl>
+                                        <p:attrNameLst>
+                                          <p:attrName>style.visibility</p:attrName>
+                                        </p:attrNameLst>
+                                      </p:cBhvr>
+                                      <p:to>
+                                        <p:strVal val="visible"/>
+                                      </p:to>
+                                    </p:set>
+                                  </p:childTnLst>
+                                </p:cTn>
+                              </p:par>
+                            </p:childTnLst>
+                          </p:cTn>
+                        </p:par>
+                      </p:childTnLst>
+                    </p:cTn>
+                  </p:par>
+                  <p:par>
+                    <p:cTn id="11" fill="hold">
+                      <p:stCondLst>
+                        <p:cond delay="indefinite"/>
+                      </p:stCondLst>
+                      <p:childTnLst>
+                        <p:par>
+                          <p:cTn id="12" fill="hold">
+                            <p:stCondLst>
+                              <p:cond delay="0"/>
+                            </p:stCondLst>
+                            <p:childTnLst>
+                              <p:par>
+                                <p:cTn id="13" presetID="1" presetClass="entr" presetSubtype="0" fill="hold" grpId="0" nodeType="clickEffect">
+                                  <p:stCondLst>
+                                    <p:cond delay="0"/>
+                                  </p:stCondLst>
+                                  <p:childTnLst>
+                                    <p:set>
+                                      <p:cBhvr>
+                                        <p:cTn id="14" dur="1" fill="hold">
+                                          <p:stCondLst>
+                                            <p:cond delay="0"/>
+                                          </p:stCondLst>
+                                        </p:cTn>
+                                        <p:tgtEl>
+                                          <p:spTgt spid="3">
+                                            <p:txEl>
+                                              <p:pRg st="2" end="2"/>
+                                            </p:txEl>
+                                          </p:spTgt>
+                                        </p:tgtEl>
+                                        <p:attrNameLst>
+                                          <p:attrName>style.visibility</p:attrName>
+                                        </p:attrNameLst>
+                                      </p:cBhvr>
+                                      <p:to>
+                                        <p:strVal val="visible"/>
+                                      </p:to>
+                                    </p:set>
+                                  </p:childTnLst>
+                                </p:cTn>
+                              </p:par>
+                            </p:childTnLst>
+                          </p:cTn>
+                        </p:par>
+                      </p:childTnLst>
+                    </p:cTn>
+                  </p:par>
+                  <p:par>
+                    <p:cTn id="15" fill="hold">
+                      <p:stCondLst>
+                        <p:cond delay="indefinite"/>
+                      </p:stCondLst>
+                      <p:childTnLst>
+                        <p:par>
+                          <p:cTn id="16" fill="hold">
+                            <p:stCondLst>
+                              <p:cond delay="0"/>
+                            </p:stCondLst>
+                            <p:childTnLst>
+                              <p:par>
+                                <p:cTn id="17" presetID="1" presetClass="entr" presetSubtype="0" fill="hold" grpId="0" nodeType="clickEffect">
+                                  <p:stCondLst>
+                                    <p:cond delay="0"/>
+                                  </p:stCondLst>
+                                  <p:childTnLst>
+                                    <p:set>
+                                      <p:cBhvr>
+                                        <p:cTn id="18" dur="1" fill="hold">
+                                          <p:stCondLst>
+                                            <p:cond delay="0"/>
+                                          </p:stCondLst>
+                                        </p:cTn>
+                                        <p:tgtEl>
+                                          <p:spTgt spid="3">
+                                            <p:txEl>
+                                              <p:pRg st="3" end="3"/>
+                                            </p:txEl>
+                                          </p:spTgt>
+                                        </p:tgtEl>
+                                        <p:attrNameLst>
+                                          <p:attrName>style.visibility</p:attrName>
+                                        </p:attrNameLst>
+                                      </p:cBhvr>
+                                      <p:to>
+                                        <p:strVal val="visible"/>
+                                      </p:to>
+                                    </p:set>
+                                  </p:childTnLst>
+                                </p:cTn>
+                              </p:par>
+                            </p:childTnLst>
+                          </p:cTn>
+                        </p:par>
+                      </p:childTnLst>
+                    </p:cTn>
+                  </p:par>
+                </p:childTnLst>
+              </p:cTn>
+              <p:prevCondLst>
+                <p:cond evt="onPrev" delay="0">
+                  <p:tgtEl>
+                    <p:sldTgt/>
+                  </p:tgtEl>
+                </p:cond>
+              </p:prevCondLst>
+              <p:nextCondLst>
+                <p:cond evt="onNext" delay="0">
+                  <p:tgtEl>
+                    <p:sldTgt/>
+                  </p:tgtEl>
+                </p:cond>
+              </p:nextCondLst>
+            </p:seq>
+          </p:childTnLst>
+        </p:cTn>
+      </p:par>
+    </p:tnLst>
+    <p:bldLst>
+      <p:bldP spid="3" grpId="0" build="p"/>
+    </p:bldLst>
+  </p:timing>
 </p:sld>
 </file>
 
@@ -30496,6 +32370,337 @@
   <p:clrMapOvr>
     <a:masterClrMapping/>
   </p:clrMapOvr>
+  <p:timing>
+    <p:tnLst>
+      <p:par>
+        <p:cTn id="1" dur="indefinite" restart="never" nodeType="tmRoot">
+          <p:childTnLst>
+            <p:seq concurrent="1" nextAc="seek">
+              <p:cTn id="2" dur="indefinite" nodeType="mainSeq">
+                <p:childTnLst>
+                  <p:par>
+                    <p:cTn id="3" fill="hold">
+                      <p:stCondLst>
+                        <p:cond delay="indefinite"/>
+                      </p:stCondLst>
+                      <p:childTnLst>
+                        <p:par>
+                          <p:cTn id="4" fill="hold">
+                            <p:stCondLst>
+                              <p:cond delay="0"/>
+                            </p:stCondLst>
+                            <p:childTnLst>
+                              <p:par>
+                                <p:cTn id="5" presetID="1" presetClass="entr" presetSubtype="0" fill="hold" grpId="0" nodeType="clickEffect">
+                                  <p:stCondLst>
+                                    <p:cond delay="0"/>
+                                  </p:stCondLst>
+                                  <p:childTnLst>
+                                    <p:set>
+                                      <p:cBhvr>
+                                        <p:cTn id="6" dur="1" fill="hold">
+                                          <p:stCondLst>
+                                            <p:cond delay="0"/>
+                                          </p:stCondLst>
+                                        </p:cTn>
+                                        <p:tgtEl>
+                                          <p:spTgt spid="7">
+                                            <p:graphicEl>
+                                              <a:dgm id="{5B71AE50-2ED4-4000-A65C-22F4F28B6CD3}"/>
+                                            </p:graphicEl>
+                                          </p:spTgt>
+                                        </p:tgtEl>
+                                        <p:attrNameLst>
+                                          <p:attrName>style.visibility</p:attrName>
+                                        </p:attrNameLst>
+                                      </p:cBhvr>
+                                      <p:to>
+                                        <p:strVal val="visible"/>
+                                      </p:to>
+                                    </p:set>
+                                  </p:childTnLst>
+                                </p:cTn>
+                              </p:par>
+                            </p:childTnLst>
+                          </p:cTn>
+                        </p:par>
+                      </p:childTnLst>
+                    </p:cTn>
+                  </p:par>
+                  <p:par>
+                    <p:cTn id="7" fill="hold">
+                      <p:stCondLst>
+                        <p:cond delay="indefinite"/>
+                      </p:stCondLst>
+                      <p:childTnLst>
+                        <p:par>
+                          <p:cTn id="8" fill="hold">
+                            <p:stCondLst>
+                              <p:cond delay="0"/>
+                            </p:stCondLst>
+                            <p:childTnLst>
+                              <p:par>
+                                <p:cTn id="9" presetID="1" presetClass="entr" presetSubtype="0" fill="hold" grpId="0" nodeType="clickEffect">
+                                  <p:stCondLst>
+                                    <p:cond delay="0"/>
+                                  </p:stCondLst>
+                                  <p:childTnLst>
+                                    <p:set>
+                                      <p:cBhvr>
+                                        <p:cTn id="10" dur="1" fill="hold">
+                                          <p:stCondLst>
+                                            <p:cond delay="0"/>
+                                          </p:stCondLst>
+                                        </p:cTn>
+                                        <p:tgtEl>
+                                          <p:spTgt spid="7">
+                                            <p:graphicEl>
+                                              <a:dgm id="{35CA4DE6-6807-4E46-9820-9179ADE02388}"/>
+                                            </p:graphicEl>
+                                          </p:spTgt>
+                                        </p:tgtEl>
+                                        <p:attrNameLst>
+                                          <p:attrName>style.visibility</p:attrName>
+                                        </p:attrNameLst>
+                                      </p:cBhvr>
+                                      <p:to>
+                                        <p:strVal val="visible"/>
+                                      </p:to>
+                                    </p:set>
+                                  </p:childTnLst>
+                                </p:cTn>
+                              </p:par>
+                            </p:childTnLst>
+                          </p:cTn>
+                        </p:par>
+                      </p:childTnLst>
+                    </p:cTn>
+                  </p:par>
+                  <p:par>
+                    <p:cTn id="11" fill="hold">
+                      <p:stCondLst>
+                        <p:cond delay="indefinite"/>
+                      </p:stCondLst>
+                      <p:childTnLst>
+                        <p:par>
+                          <p:cTn id="12" fill="hold">
+                            <p:stCondLst>
+                              <p:cond delay="0"/>
+                            </p:stCondLst>
+                            <p:childTnLst>
+                              <p:par>
+                                <p:cTn id="13" presetID="1" presetClass="entr" presetSubtype="0" fill="hold" grpId="0" nodeType="clickEffect">
+                                  <p:stCondLst>
+                                    <p:cond delay="0"/>
+                                  </p:stCondLst>
+                                  <p:childTnLst>
+                                    <p:set>
+                                      <p:cBhvr>
+                                        <p:cTn id="14" dur="1" fill="hold">
+                                          <p:stCondLst>
+                                            <p:cond delay="0"/>
+                                          </p:stCondLst>
+                                        </p:cTn>
+                                        <p:tgtEl>
+                                          <p:spTgt spid="7">
+                                            <p:graphicEl>
+                                              <a:dgm id="{DE0AF4AD-0782-4453-89A9-B27EEABAB466}"/>
+                                            </p:graphicEl>
+                                          </p:spTgt>
+                                        </p:tgtEl>
+                                        <p:attrNameLst>
+                                          <p:attrName>style.visibility</p:attrName>
+                                        </p:attrNameLst>
+                                      </p:cBhvr>
+                                      <p:to>
+                                        <p:strVal val="visible"/>
+                                      </p:to>
+                                    </p:set>
+                                  </p:childTnLst>
+                                </p:cTn>
+                              </p:par>
+                            </p:childTnLst>
+                          </p:cTn>
+                        </p:par>
+                      </p:childTnLst>
+                    </p:cTn>
+                  </p:par>
+                  <p:par>
+                    <p:cTn id="15" fill="hold">
+                      <p:stCondLst>
+                        <p:cond delay="indefinite"/>
+                      </p:stCondLst>
+                      <p:childTnLst>
+                        <p:par>
+                          <p:cTn id="16" fill="hold">
+                            <p:stCondLst>
+                              <p:cond delay="0"/>
+                            </p:stCondLst>
+                            <p:childTnLst>
+                              <p:par>
+                                <p:cTn id="17" presetID="1" presetClass="entr" presetSubtype="0" fill="hold" grpId="0" nodeType="clickEffect">
+                                  <p:stCondLst>
+                                    <p:cond delay="0"/>
+                                  </p:stCondLst>
+                                  <p:childTnLst>
+                                    <p:set>
+                                      <p:cBhvr>
+                                        <p:cTn id="18" dur="1" fill="hold">
+                                          <p:stCondLst>
+                                            <p:cond delay="0"/>
+                                          </p:stCondLst>
+                                        </p:cTn>
+                                        <p:tgtEl>
+                                          <p:spTgt spid="7">
+                                            <p:graphicEl>
+                                              <a:dgm id="{D1EFC28F-80D7-4AD4-B37E-745A602DF8C6}"/>
+                                            </p:graphicEl>
+                                          </p:spTgt>
+                                        </p:tgtEl>
+                                        <p:attrNameLst>
+                                          <p:attrName>style.visibility</p:attrName>
+                                        </p:attrNameLst>
+                                      </p:cBhvr>
+                                      <p:to>
+                                        <p:strVal val="visible"/>
+                                      </p:to>
+                                    </p:set>
+                                  </p:childTnLst>
+                                </p:cTn>
+                              </p:par>
+                            </p:childTnLst>
+                          </p:cTn>
+                        </p:par>
+                      </p:childTnLst>
+                    </p:cTn>
+                  </p:par>
+                  <p:par>
+                    <p:cTn id="19" fill="hold">
+                      <p:stCondLst>
+                        <p:cond delay="indefinite"/>
+                      </p:stCondLst>
+                      <p:childTnLst>
+                        <p:par>
+                          <p:cTn id="20" fill="hold">
+                            <p:stCondLst>
+                              <p:cond delay="0"/>
+                            </p:stCondLst>
+                            <p:childTnLst>
+                              <p:par>
+                                <p:cTn id="21" presetID="1" presetClass="entr" presetSubtype="0" fill="hold" grpId="0" nodeType="clickEffect">
+                                  <p:stCondLst>
+                                    <p:cond delay="0"/>
+                                  </p:stCondLst>
+                                  <p:childTnLst>
+                                    <p:set>
+                                      <p:cBhvr>
+                                        <p:cTn id="22" dur="1" fill="hold">
+                                          <p:stCondLst>
+                                            <p:cond delay="0"/>
+                                          </p:stCondLst>
+                                        </p:cTn>
+                                        <p:tgtEl>
+                                          <p:spTgt spid="7">
+                                            <p:graphicEl>
+                                              <a:dgm id="{E920E07F-E076-4BFC-8FA4-7730D66C16B9}"/>
+                                            </p:graphicEl>
+                                          </p:spTgt>
+                                        </p:tgtEl>
+                                        <p:attrNameLst>
+                                          <p:attrName>style.visibility</p:attrName>
+                                        </p:attrNameLst>
+                                      </p:cBhvr>
+                                      <p:to>
+                                        <p:strVal val="visible"/>
+                                      </p:to>
+                                    </p:set>
+                                  </p:childTnLst>
+                                </p:cTn>
+                              </p:par>
+                            </p:childTnLst>
+                          </p:cTn>
+                        </p:par>
+                      </p:childTnLst>
+                    </p:cTn>
+                  </p:par>
+                  <p:par>
+                    <p:cTn id="23" fill="hold">
+                      <p:stCondLst>
+                        <p:cond delay="indefinite"/>
+                      </p:stCondLst>
+                      <p:childTnLst>
+                        <p:par>
+                          <p:cTn id="24" fill="hold">
+                            <p:stCondLst>
+                              <p:cond delay="0"/>
+                            </p:stCondLst>
+                            <p:childTnLst>
+                              <p:par>
+                                <p:cTn id="25" presetID="1" presetClass="entr" presetSubtype="0" fill="hold" grpId="0" nodeType="clickEffect">
+                                  <p:stCondLst>
+                                    <p:cond delay="0"/>
+                                  </p:stCondLst>
+                                  <p:childTnLst>
+                                    <p:set>
+                                      <p:cBhvr>
+                                        <p:cTn id="26" dur="1" fill="hold">
+                                          <p:stCondLst>
+                                            <p:cond delay="0"/>
+                                          </p:stCondLst>
+                                        </p:cTn>
+                                        <p:tgtEl>
+                                          <p:spTgt spid="7">
+                                            <p:graphicEl>
+                                              <a:dgm id="{7EF69FEA-D520-404E-BB17-FCCFA68C3C12}"/>
+                                            </p:graphicEl>
+                                          </p:spTgt>
+                                        </p:tgtEl>
+                                        <p:attrNameLst>
+                                          <p:attrName>style.visibility</p:attrName>
+                                        </p:attrNameLst>
+                                      </p:cBhvr>
+                                      <p:to>
+                                        <p:strVal val="visible"/>
+                                      </p:to>
+                                    </p:set>
+                                  </p:childTnLst>
+                                </p:cTn>
+                              </p:par>
+                            </p:childTnLst>
+                          </p:cTn>
+                        </p:par>
+                      </p:childTnLst>
+                    </p:cTn>
+                  </p:par>
+                </p:childTnLst>
+              </p:cTn>
+              <p:prevCondLst>
+                <p:cond evt="onPrev" delay="0">
+                  <p:tgtEl>
+                    <p:sldTgt/>
+                  </p:tgtEl>
+                </p:cond>
+              </p:prevCondLst>
+              <p:nextCondLst>
+                <p:cond evt="onNext" delay="0">
+                  <p:tgtEl>
+                    <p:sldTgt/>
+                  </p:tgtEl>
+                </p:cond>
+              </p:nextCondLst>
+            </p:seq>
+          </p:childTnLst>
+        </p:cTn>
+      </p:par>
+    </p:tnLst>
+    <p:bldLst>
+      <p:bldGraphic spid="7" grpId="0">
+        <p:bldSub>
+          <a:bldDgm bld="lvlOne"/>
+        </p:bldSub>
+      </p:bldGraphic>
+    </p:bldLst>
+  </p:timing>
 </p:sld>
 </file>
 
@@ -32878,19 +35083,13 @@
           <a:p>
             <a:r>
               <a:rPr lang="en-US" dirty="0"/>
-              <a:t>Discussion case #2 (Sunday)</a:t>
+              <a:t>Assignment #3 (Sunday)</a:t>
             </a:r>
           </a:p>
           <a:p>
             <a:r>
               <a:rPr lang="en-US" dirty="0"/>
-              <a:t>Assignment #3 (Sunday)</a:t>
-            </a:r>
-          </a:p>
-          <a:p>
-            <a:r>
-              <a:rPr lang="en-US" dirty="0"/>
-              <a:t>Signup for Monday meeting (Room 449 – Conference room 4</a:t>
+              <a:t>Signup for meeting (Room 449 – Conference room 4</a:t>
             </a:r>
             <a:r>
               <a:rPr lang="en-US" baseline="30000" dirty="0"/>
@@ -37190,15 +39389,6 @@
 </file>
 
 <file path=customXml/item1.xml><?xml version="1.0" encoding="utf-8"?>
-<?mso-contentType ?>
-<FormTemplates xmlns="http://schemas.microsoft.com/sharepoint/v3/contenttype/forms">
-  <Display>DocumentLibraryForm</Display>
-  <Edit>DocumentLibraryForm</Edit>
-  <New>DocumentLibraryForm</New>
-</FormTemplates>
-</file>
-
-<file path=customXml/item2.xml><?xml version="1.0" encoding="utf-8"?>
 <ct:contentTypeSchema xmlns:ct="http://schemas.microsoft.com/office/2006/metadata/contentType" xmlns:ma="http://schemas.microsoft.com/office/2006/metadata/properties/metaAttributes" ct:_="" ma:_="" ma:contentTypeName="Document" ma:contentTypeID="0x01010079F111ED35F8CC479449609E8A0923A6" ma:contentTypeVersion="11" ma:contentTypeDescription="Create a new document." ma:contentTypeScope="" ma:versionID="96291512c1ee715ab617f4c07df79fc1">
   <xsd:schema xmlns:xsd="http://www.w3.org/2001/XMLSchema" xmlns:xs="http://www.w3.org/2001/XMLSchema" xmlns:p="http://schemas.microsoft.com/office/2006/metadata/properties" xmlns:ns2="71af3243-3dd4-4a8d-8c0d-dd76da1f02a5" xmlns:ns3="16c05727-aa75-4e4a-9b5f-8a80a1165891" targetNamespace="http://schemas.microsoft.com/office/2006/metadata/properties" ma:root="true" ma:fieldsID="8256c27c40ca5c40ce1cf6c44f0205df" ns2:_="" ns3:_="">
     <xsd:import namespace="71af3243-3dd4-4a8d-8c0d-dd76da1f02a5"/>
@@ -37409,6 +39599,15 @@
 </ct:contentTypeSchema>
 </file>
 
+<file path=customXml/item2.xml><?xml version="1.0" encoding="utf-8"?>
+<?mso-contentType ?>
+<FormTemplates xmlns="http://schemas.microsoft.com/sharepoint/v3/contenttype/forms">
+  <Display>DocumentLibraryForm</Display>
+  <Edit>DocumentLibraryForm</Edit>
+  <New>DocumentLibraryForm</New>
+</FormTemplates>
+</file>
+
 <file path=customXml/item3.xml><?xml version="1.0" encoding="utf-8"?>
 <p:properties xmlns:p="http://schemas.microsoft.com/office/2006/metadata/properties" xmlns:xsi="http://www.w3.org/2001/XMLSchema-instance" xmlns:pc="http://schemas.microsoft.com/office/infopath/2007/PartnerControls">
   <documentManagement>
@@ -37418,14 +39617,6 @@
 </file>
 
 <file path=customXml/itemProps1.xml><?xml version="1.0" encoding="utf-8"?>
-<ds:datastoreItem xmlns:ds="http://schemas.openxmlformats.org/officeDocument/2006/customXml" ds:itemID="{5CA875DA-F9FD-4F83-A049-3B1027B542DE}">
-  <ds:schemaRefs>
-    <ds:schemaRef ds:uri="http://schemas.microsoft.com/sharepoint/v3/contenttype/forms"/>
-  </ds:schemaRefs>
-</ds:datastoreItem>
-</file>
-
-<file path=customXml/itemProps2.xml><?xml version="1.0" encoding="utf-8"?>
 <ds:datastoreItem xmlns:ds="http://schemas.openxmlformats.org/officeDocument/2006/customXml" ds:itemID="{B2AB02E3-5ADF-4BF0-9C1B-35CDF3FE95B0}">
   <ds:schemaRefs>
     <ds:schemaRef ds:uri="http://schemas.microsoft.com/office/2006/metadata/contentType"/>
@@ -37444,6 +39635,14 @@
 </ds:datastoreItem>
 </file>
 
+<file path=customXml/itemProps2.xml><?xml version="1.0" encoding="utf-8"?>
+<ds:datastoreItem xmlns:ds="http://schemas.openxmlformats.org/officeDocument/2006/customXml" ds:itemID="{5CA875DA-F9FD-4F83-A049-3B1027B542DE}">
+  <ds:schemaRefs>
+    <ds:schemaRef ds:uri="http://schemas.microsoft.com/sharepoint/v3/contenttype/forms"/>
+  </ds:schemaRefs>
+</ds:datastoreItem>
+</file>
+
 <file path=customXml/itemProps3.xml><?xml version="1.0" encoding="utf-8"?>
 <ds:datastoreItem xmlns:ds="http://schemas.openxmlformats.org/officeDocument/2006/customXml" ds:itemID="{03C7D9E6-B0D9-433E-BD46-EB60F64F4DA8}">
   <ds:schemaRefs>
